--- a/Talk/Slides/Custom QGIS Symbols with Inkscape.pptx
+++ b/Talk/Slides/Custom QGIS Symbols with Inkscape.pptx
@@ -7,12 +7,17 @@
   <p:sldIdLst>
     <p:sldId id="261" r:id="rId2"/>
     <p:sldId id="263" r:id="rId3"/>
-    <p:sldId id="262" r:id="rId4"/>
-    <p:sldId id="257" r:id="rId5"/>
-    <p:sldId id="264" r:id="rId6"/>
-    <p:sldId id="259" r:id="rId7"/>
+    <p:sldId id="257" r:id="rId4"/>
+    <p:sldId id="264" r:id="rId5"/>
+    <p:sldId id="259" r:id="rId6"/>
+    <p:sldId id="267" r:id="rId7"/>
     <p:sldId id="265" r:id="rId8"/>
     <p:sldId id="266" r:id="rId9"/>
+    <p:sldId id="269" r:id="rId10"/>
+    <p:sldId id="268" r:id="rId11"/>
+    <p:sldId id="270" r:id="rId12"/>
+    <p:sldId id="272" r:id="rId13"/>
+    <p:sldId id="271" r:id="rId14"/>
   </p:sldIdLst>
   <p:sldSz cx="9144000" cy="6858000" type="screen4x3"/>
   <p:notesSz cx="6858000" cy="9144000"/>
@@ -250,7 +255,7 @@
           <a:p>
             <a:fld id="{3EC5AA90-EC6E-47E8-A49F-95780859B7FE}" type="datetimeFigureOut">
               <a:rPr lang="en-US" smtClean="0"/>
-              <a:t>8/7/2017</a:t>
+              <a:t>8/8/2017</a:t>
             </a:fld>
             <a:endParaRPr lang="en-US"/>
           </a:p>
@@ -420,7 +425,7 @@
           <a:p>
             <a:fld id="{3EC5AA90-EC6E-47E8-A49F-95780859B7FE}" type="datetimeFigureOut">
               <a:rPr lang="en-US" smtClean="0"/>
-              <a:t>8/7/2017</a:t>
+              <a:t>8/8/2017</a:t>
             </a:fld>
             <a:endParaRPr lang="en-US"/>
           </a:p>
@@ -600,7 +605,7 @@
           <a:p>
             <a:fld id="{3EC5AA90-EC6E-47E8-A49F-95780859B7FE}" type="datetimeFigureOut">
               <a:rPr lang="en-US" smtClean="0"/>
-              <a:t>8/7/2017</a:t>
+              <a:t>8/8/2017</a:t>
             </a:fld>
             <a:endParaRPr lang="en-US"/>
           </a:p>
@@ -839,7 +844,7 @@
             <a:fld id="{3EC5AA90-EC6E-47E8-A49F-95780859B7FE}" type="datetimeFigureOut">
               <a:rPr lang="en-US" smtClean="0"/>
               <a:pPr/>
-              <a:t>8/7/2017</a:t>
+              <a:t>8/8/2017</a:t>
             </a:fld>
             <a:endParaRPr lang="en-US"/>
           </a:p>
@@ -980,7 +985,9 @@
           <a:bodyPr anchor="b"/>
           <a:lstStyle>
             <a:lvl1pPr>
-              <a:defRPr sz="6000"/>
+              <a:defRPr sz="6000">
+                <a:latin typeface="Century Gothic" panose="020B0502020202020204" pitchFamily="34" charset="0"/>
+              </a:defRPr>
             </a:lvl1pPr>
           </a:lstStyle>
           <a:p>
@@ -1017,6 +1024,7 @@
                 <a:solidFill>
                   <a:schemeClr val="tx1"/>
                 </a:solidFill>
+                <a:latin typeface="Century Gothic" panose="020B0502020202020204" pitchFamily="34" charset="0"/>
               </a:defRPr>
             </a:lvl1pPr>
             <a:lvl2pPr marL="457200" indent="0">
@@ -1122,11 +1130,18 @@
         <p:spPr/>
         <p:txBody>
           <a:bodyPr/>
-          <a:lstStyle/>
+          <a:lstStyle>
+            <a:lvl1pPr>
+              <a:defRPr>
+                <a:latin typeface="Century Gothic" panose="020B0502020202020204" pitchFamily="34" charset="0"/>
+              </a:defRPr>
+            </a:lvl1pPr>
+          </a:lstStyle>
           <a:p>
             <a:fld id="{3EC5AA90-EC6E-47E8-A49F-95780859B7FE}" type="datetimeFigureOut">
               <a:rPr lang="en-US" smtClean="0"/>
-              <a:t>8/7/2017</a:t>
+              <a:pPr/>
+              <a:t>8/8/2017</a:t>
             </a:fld>
             <a:endParaRPr lang="en-US"/>
           </a:p>
@@ -1145,7 +1160,13 @@
         <p:spPr/>
         <p:txBody>
           <a:bodyPr/>
-          <a:lstStyle/>
+          <a:lstStyle>
+            <a:lvl1pPr>
+              <a:defRPr>
+                <a:latin typeface="Century Gothic" panose="020B0502020202020204" pitchFamily="34" charset="0"/>
+              </a:defRPr>
+            </a:lvl1pPr>
+          </a:lstStyle>
           <a:p>
             <a:endParaRPr lang="en-US"/>
           </a:p>
@@ -1164,10 +1185,17 @@
         <p:spPr/>
         <p:txBody>
           <a:bodyPr/>
-          <a:lstStyle/>
+          <a:lstStyle>
+            <a:lvl1pPr>
+              <a:defRPr>
+                <a:latin typeface="Century Gothic" panose="020B0502020202020204" pitchFamily="34" charset="0"/>
+              </a:defRPr>
+            </a:lvl1pPr>
+          </a:lstStyle>
           <a:p>
             <a:fld id="{30CAFC4B-01DA-4CD3-BDD9-B0528ACE0B9A}" type="slidenum">
               <a:rPr lang="en-US" smtClean="0"/>
+              <a:pPr/>
               <a:t>‹#›</a:t>
             </a:fld>
             <a:endParaRPr lang="en-US"/>
@@ -1358,7 +1386,7 @@
           <a:p>
             <a:fld id="{3EC5AA90-EC6E-47E8-A49F-95780859B7FE}" type="datetimeFigureOut">
               <a:rPr lang="en-US" smtClean="0"/>
-              <a:t>8/7/2017</a:t>
+              <a:t>8/8/2017</a:t>
             </a:fld>
             <a:endParaRPr lang="en-US"/>
           </a:p>
@@ -1725,7 +1753,7 @@
           <a:p>
             <a:fld id="{3EC5AA90-EC6E-47E8-A49F-95780859B7FE}" type="datetimeFigureOut">
               <a:rPr lang="en-US" smtClean="0"/>
-              <a:t>8/7/2017</a:t>
+              <a:t>8/8/2017</a:t>
             </a:fld>
             <a:endParaRPr lang="en-US"/>
           </a:p>
@@ -1843,7 +1871,7 @@
           <a:p>
             <a:fld id="{3EC5AA90-EC6E-47E8-A49F-95780859B7FE}" type="datetimeFigureOut">
               <a:rPr lang="en-US" smtClean="0"/>
-              <a:t>8/7/2017</a:t>
+              <a:t>8/8/2017</a:t>
             </a:fld>
             <a:endParaRPr lang="en-US"/>
           </a:p>
@@ -1921,6 +1949,36 @@
           <a:chExt cx="0" cy="0"/>
         </a:xfrm>
       </p:grpSpPr>
+      <p:pic>
+        <p:nvPicPr>
+          <p:cNvPr id="5" name="Picture 4"/>
+          <p:cNvPicPr>
+            <a:picLocks noChangeAspect="1"/>
+          </p:cNvPicPr>
+          <p:nvPr userDrawn="1"/>
+        </p:nvPicPr>
+        <p:blipFill>
+          <a:blip r:embed="rId2">
+            <a:extLst>
+              <a:ext uri="{28A0092B-C50C-407E-A947-70E740481C1C}">
+                <a14:useLocalDpi xmlns:a14="http://schemas.microsoft.com/office/drawing/2010/main" val="0"/>
+              </a:ext>
+            </a:extLst>
+          </a:blip>
+          <a:stretch>
+            <a:fillRect/>
+          </a:stretch>
+        </p:blipFill>
+        <p:spPr>
+          <a:xfrm>
+            <a:off x="0" y="0"/>
+            <a:ext cx="9144000" cy="6858000"/>
+          </a:xfrm>
+          <a:prstGeom prst="rect">
+            <a:avLst/>
+          </a:prstGeom>
+        </p:spPr>
+      </p:pic>
       <p:sp>
         <p:nvSpPr>
           <p:cNvPr id="2" name="Date Placeholder 1"/>
@@ -1938,7 +1996,7 @@
           <a:p>
             <a:fld id="{3EC5AA90-EC6E-47E8-A49F-95780859B7FE}" type="datetimeFigureOut">
               <a:rPr lang="en-US" smtClean="0"/>
-              <a:t>8/7/2017</a:t>
+              <a:t>8/8/2017</a:t>
             </a:fld>
             <a:endParaRPr lang="en-US"/>
           </a:p>
@@ -2215,7 +2273,7 @@
           <a:p>
             <a:fld id="{3EC5AA90-EC6E-47E8-A49F-95780859B7FE}" type="datetimeFigureOut">
               <a:rPr lang="en-US" smtClean="0"/>
-              <a:t>8/7/2017</a:t>
+              <a:t>8/8/2017</a:t>
             </a:fld>
             <a:endParaRPr lang="en-US"/>
           </a:p>
@@ -2472,7 +2530,7 @@
           <a:p>
             <a:fld id="{3EC5AA90-EC6E-47E8-A49F-95780859B7FE}" type="datetimeFigureOut">
               <a:rPr lang="en-US" smtClean="0"/>
-              <a:t>8/7/2017</a:t>
+              <a:t>8/8/2017</a:t>
             </a:fld>
             <a:endParaRPr lang="en-US"/>
           </a:p>
@@ -2555,6 +2613,36 @@
           <a:chExt cx="0" cy="0"/>
         </a:xfrm>
       </p:grpSpPr>
+      <p:pic>
+        <p:nvPicPr>
+          <p:cNvPr id="7" name="Picture 6"/>
+          <p:cNvPicPr>
+            <a:picLocks noChangeAspect="1"/>
+          </p:cNvPicPr>
+          <p:nvPr userDrawn="1"/>
+        </p:nvPicPr>
+        <p:blipFill>
+          <a:blip r:embed="rId13">
+            <a:extLst>
+              <a:ext uri="{28A0092B-C50C-407E-A947-70E740481C1C}">
+                <a14:useLocalDpi xmlns:a14="http://schemas.microsoft.com/office/drawing/2010/main" val="0"/>
+              </a:ext>
+            </a:extLst>
+          </a:blip>
+          <a:stretch>
+            <a:fillRect/>
+          </a:stretch>
+        </p:blipFill>
+        <p:spPr>
+          <a:xfrm>
+            <a:off x="0" y="0"/>
+            <a:ext cx="9144000" cy="6858000"/>
+          </a:xfrm>
+          <a:prstGeom prst="rect">
+            <a:avLst/>
+          </a:prstGeom>
+        </p:spPr>
+      </p:pic>
       <p:sp>
         <p:nvSpPr>
           <p:cNvPr id="2" name="Title Placeholder 1"/>
@@ -2679,13 +2767,15 @@
                     <a:tint val="75000"/>
                   </a:schemeClr>
                 </a:solidFill>
+                <a:latin typeface="Century Gothic" panose="020B0502020202020204" pitchFamily="34" charset="0"/>
               </a:defRPr>
             </a:lvl1pPr>
           </a:lstStyle>
           <a:p>
             <a:fld id="{3EC5AA90-EC6E-47E8-A49F-95780859B7FE}" type="datetimeFigureOut">
               <a:rPr lang="en-US" smtClean="0"/>
-              <a:t>8/7/2017</a:t>
+              <a:pPr/>
+              <a:t>8/8/2017</a:t>
             </a:fld>
             <a:endParaRPr lang="en-US"/>
           </a:p>
@@ -2720,6 +2810,7 @@
                     <a:tint val="75000"/>
                   </a:schemeClr>
                 </a:solidFill>
+                <a:latin typeface="Century Gothic" panose="020B0502020202020204" pitchFamily="34" charset="0"/>
               </a:defRPr>
             </a:lvl1pPr>
           </a:lstStyle>
@@ -2757,12 +2848,14 @@
                     <a:tint val="75000"/>
                   </a:schemeClr>
                 </a:solidFill>
+                <a:latin typeface="Century Gothic" panose="020B0502020202020204" pitchFamily="34" charset="0"/>
               </a:defRPr>
             </a:lvl1pPr>
           </a:lstStyle>
           <a:p>
             <a:fld id="{30CAFC4B-01DA-4CD3-BDD9-B0528ACE0B9A}" type="slidenum">
               <a:rPr lang="en-US" smtClean="0"/>
+              <a:pPr/>
               <a:t>‹#›</a:t>
             </a:fld>
             <a:endParaRPr lang="en-US"/>
@@ -2804,7 +2897,7 @@
           <a:solidFill>
             <a:schemeClr val="tx1"/>
           </a:solidFill>
-          <a:latin typeface="+mj-lt"/>
+          <a:latin typeface="Century Gothic" panose="020B0502020202020204" pitchFamily="34" charset="0"/>
           <a:ea typeface="+mj-ea"/>
           <a:cs typeface="+mj-cs"/>
         </a:defRPr>
@@ -2824,7 +2917,7 @@
           <a:solidFill>
             <a:schemeClr val="tx1"/>
           </a:solidFill>
-          <a:latin typeface="+mn-lt"/>
+          <a:latin typeface="Century Gothic" panose="020B0502020202020204" pitchFamily="34" charset="0"/>
           <a:ea typeface="+mn-ea"/>
           <a:cs typeface="+mn-cs"/>
         </a:defRPr>
@@ -2842,7 +2935,7 @@
           <a:solidFill>
             <a:schemeClr val="tx1"/>
           </a:solidFill>
-          <a:latin typeface="+mn-lt"/>
+          <a:latin typeface="Century Gothic" panose="020B0502020202020204" pitchFamily="34" charset="0"/>
           <a:ea typeface="+mn-ea"/>
           <a:cs typeface="+mn-cs"/>
         </a:defRPr>
@@ -2860,7 +2953,7 @@
           <a:solidFill>
             <a:schemeClr val="tx1"/>
           </a:solidFill>
-          <a:latin typeface="+mn-lt"/>
+          <a:latin typeface="Century Gothic" panose="020B0502020202020204" pitchFamily="34" charset="0"/>
           <a:ea typeface="+mn-ea"/>
           <a:cs typeface="+mn-cs"/>
         </a:defRPr>
@@ -2878,7 +2971,7 @@
           <a:solidFill>
             <a:schemeClr val="tx1"/>
           </a:solidFill>
-          <a:latin typeface="+mn-lt"/>
+          <a:latin typeface="Century Gothic" panose="020B0502020202020204" pitchFamily="34" charset="0"/>
           <a:ea typeface="+mn-ea"/>
           <a:cs typeface="+mn-cs"/>
         </a:defRPr>
@@ -2896,7 +2989,7 @@
           <a:solidFill>
             <a:schemeClr val="tx1"/>
           </a:solidFill>
-          <a:latin typeface="+mn-lt"/>
+          <a:latin typeface="Century Gothic" panose="020B0502020202020204" pitchFamily="34" charset="0"/>
           <a:ea typeface="+mn-ea"/>
           <a:cs typeface="+mn-cs"/>
         </a:defRPr>
@@ -3140,6 +3233,273 @@
 </p:sld>
 </file>
 
+<file path=ppt/slides/slide10.xml><?xml version="1.0" encoding="utf-8"?>
+<p:sld xmlns:a="http://schemas.openxmlformats.org/drawingml/2006/main" xmlns:r="http://schemas.openxmlformats.org/officeDocument/2006/relationships" xmlns:p="http://schemas.openxmlformats.org/presentationml/2006/main">
+  <p:cSld>
+    <p:spTree>
+      <p:nvGrpSpPr>
+        <p:cNvPr id="1" name=""/>
+        <p:cNvGrpSpPr/>
+        <p:nvPr/>
+      </p:nvGrpSpPr>
+      <p:grpSpPr>
+        <a:xfrm>
+          <a:off x="0" y="0"/>
+          <a:ext cx="0" cy="0"/>
+          <a:chOff x="0" y="0"/>
+          <a:chExt cx="0" cy="0"/>
+        </a:xfrm>
+      </p:grpSpPr>
+      <p:sp>
+        <p:nvSpPr>
+          <p:cNvPr id="5" name="Rectangle 4"/>
+          <p:cNvSpPr/>
+          <p:nvPr/>
+        </p:nvSpPr>
+        <p:spPr>
+          <a:xfrm>
+            <a:off x="-1" y="5597434"/>
+            <a:ext cx="7001691" cy="1260566"/>
+          </a:xfrm>
+          <a:prstGeom prst="rect">
+            <a:avLst/>
+          </a:prstGeom>
+          <a:solidFill>
+            <a:schemeClr val="bg1"/>
+          </a:solidFill>
+          <a:ln>
+            <a:solidFill>
+              <a:schemeClr val="bg1"/>
+            </a:solidFill>
+          </a:ln>
+        </p:spPr>
+        <p:style>
+          <a:lnRef idx="2">
+            <a:schemeClr val="accent1">
+              <a:shade val="50000"/>
+            </a:schemeClr>
+          </a:lnRef>
+          <a:fillRef idx="1">
+            <a:schemeClr val="accent1"/>
+          </a:fillRef>
+          <a:effectRef idx="0">
+            <a:schemeClr val="accent1"/>
+          </a:effectRef>
+          <a:fontRef idx="minor">
+            <a:schemeClr val="lt1"/>
+          </a:fontRef>
+        </p:style>
+        <p:txBody>
+          <a:bodyPr rtlCol="0" anchor="ctr"/>
+          <a:lstStyle/>
+          <a:p>
+            <a:pPr algn="ctr"/>
+            <a:endParaRPr lang="en-US"/>
+          </a:p>
+        </p:txBody>
+      </p:sp>
+      <p:pic>
+        <p:nvPicPr>
+          <p:cNvPr id="4" name="Picture 3"/>
+          <p:cNvPicPr>
+            <a:picLocks noChangeAspect="1"/>
+          </p:cNvPicPr>
+          <p:nvPr/>
+        </p:nvPicPr>
+        <p:blipFill>
+          <a:blip r:embed="rId2" cstate="print">
+            <a:extLst>
+              <a:ext uri="{28A0092B-C50C-407E-A947-70E740481C1C}">
+                <a14:useLocalDpi xmlns:a14="http://schemas.microsoft.com/office/drawing/2010/main" val="0"/>
+              </a:ext>
+            </a:extLst>
+          </a:blip>
+          <a:stretch>
+            <a:fillRect/>
+          </a:stretch>
+        </p:blipFill>
+        <p:spPr>
+          <a:xfrm>
+            <a:off x="851162" y="0"/>
+            <a:ext cx="5299363" cy="6858000"/>
+          </a:xfrm>
+          <a:prstGeom prst="rect">
+            <a:avLst/>
+          </a:prstGeom>
+        </p:spPr>
+      </p:pic>
+    </p:spTree>
+    <p:extLst>
+      <p:ext uri="{BB962C8B-B14F-4D97-AF65-F5344CB8AC3E}">
+        <p14:creationId xmlns:p14="http://schemas.microsoft.com/office/powerpoint/2010/main" val="4193128237"/>
+      </p:ext>
+    </p:extLst>
+  </p:cSld>
+  <p:clrMapOvr>
+    <a:masterClrMapping/>
+  </p:clrMapOvr>
+</p:sld>
+</file>
+
+<file path=ppt/slides/slide11.xml><?xml version="1.0" encoding="utf-8"?>
+<p:sld xmlns:a="http://schemas.openxmlformats.org/drawingml/2006/main" xmlns:r="http://schemas.openxmlformats.org/officeDocument/2006/relationships" xmlns:p="http://schemas.openxmlformats.org/presentationml/2006/main">
+  <p:cSld>
+    <p:spTree>
+      <p:nvGrpSpPr>
+        <p:cNvPr id="1" name=""/>
+        <p:cNvGrpSpPr/>
+        <p:nvPr/>
+      </p:nvGrpSpPr>
+      <p:grpSpPr>
+        <a:xfrm>
+          <a:off x="0" y="0"/>
+          <a:ext cx="0" cy="0"/>
+          <a:chOff x="0" y="0"/>
+          <a:chExt cx="0" cy="0"/>
+        </a:xfrm>
+      </p:grpSpPr>
+      <p:sp>
+        <p:nvSpPr>
+          <p:cNvPr id="2" name="Title 1"/>
+          <p:cNvSpPr>
+            <a:spLocks noGrp="1"/>
+          </p:cNvSpPr>
+          <p:nvPr>
+            <p:ph type="title"/>
+          </p:nvPr>
+        </p:nvSpPr>
+        <p:spPr/>
+        <p:txBody>
+          <a:bodyPr/>
+          <a:lstStyle/>
+          <a:p>
+            <a:r>
+              <a:rPr lang="en-US" dirty="0" smtClean="0"/>
+              <a:t>Make some icons</a:t>
+            </a:r>
+            <a:endParaRPr lang="en-US" dirty="0"/>
+          </a:p>
+        </p:txBody>
+      </p:sp>
+    </p:spTree>
+    <p:extLst>
+      <p:ext uri="{BB962C8B-B14F-4D97-AF65-F5344CB8AC3E}">
+        <p14:creationId xmlns:p14="http://schemas.microsoft.com/office/powerpoint/2010/main" val="1940249028"/>
+      </p:ext>
+    </p:extLst>
+  </p:cSld>
+  <p:clrMapOvr>
+    <a:masterClrMapping/>
+  </p:clrMapOvr>
+</p:sld>
+</file>
+
+<file path=ppt/slides/slide12.xml><?xml version="1.0" encoding="utf-8"?>
+<p:sld xmlns:a="http://schemas.openxmlformats.org/drawingml/2006/main" xmlns:r="http://schemas.openxmlformats.org/officeDocument/2006/relationships" xmlns:p="http://schemas.openxmlformats.org/presentationml/2006/main">
+  <p:cSld>
+    <p:spTree>
+      <p:nvGrpSpPr>
+        <p:cNvPr id="1" name=""/>
+        <p:cNvGrpSpPr/>
+        <p:nvPr/>
+      </p:nvGrpSpPr>
+      <p:grpSpPr>
+        <a:xfrm>
+          <a:off x="0" y="0"/>
+          <a:ext cx="0" cy="0"/>
+          <a:chOff x="0" y="0"/>
+          <a:chExt cx="0" cy="0"/>
+        </a:xfrm>
+      </p:grpSpPr>
+      <p:sp>
+        <p:nvSpPr>
+          <p:cNvPr id="2" name="Title 1"/>
+          <p:cNvSpPr>
+            <a:spLocks noGrp="1"/>
+          </p:cNvSpPr>
+          <p:nvPr>
+            <p:ph type="title"/>
+          </p:nvPr>
+        </p:nvSpPr>
+        <p:spPr/>
+        <p:txBody>
+          <a:bodyPr/>
+          <a:lstStyle/>
+          <a:p>
+            <a:r>
+              <a:rPr lang="en-US" dirty="0" smtClean="0"/>
+              <a:t>Trace Bitmap</a:t>
+            </a:r>
+            <a:endParaRPr lang="en-US" dirty="0"/>
+          </a:p>
+        </p:txBody>
+      </p:sp>
+    </p:spTree>
+    <p:extLst>
+      <p:ext uri="{BB962C8B-B14F-4D97-AF65-F5344CB8AC3E}">
+        <p14:creationId xmlns:p14="http://schemas.microsoft.com/office/powerpoint/2010/main" val="2504863132"/>
+      </p:ext>
+    </p:extLst>
+  </p:cSld>
+  <p:clrMapOvr>
+    <a:masterClrMapping/>
+  </p:clrMapOvr>
+</p:sld>
+</file>
+
+<file path=ppt/slides/slide13.xml><?xml version="1.0" encoding="utf-8"?>
+<p:sld xmlns:a="http://schemas.openxmlformats.org/drawingml/2006/main" xmlns:r="http://schemas.openxmlformats.org/officeDocument/2006/relationships" xmlns:p="http://schemas.openxmlformats.org/presentationml/2006/main">
+  <p:cSld>
+    <p:spTree>
+      <p:nvGrpSpPr>
+        <p:cNvPr id="1" name=""/>
+        <p:cNvGrpSpPr/>
+        <p:nvPr/>
+      </p:nvGrpSpPr>
+      <p:grpSpPr>
+        <a:xfrm>
+          <a:off x="0" y="0"/>
+          <a:ext cx="0" cy="0"/>
+          <a:chOff x="0" y="0"/>
+          <a:chExt cx="0" cy="0"/>
+        </a:xfrm>
+      </p:grpSpPr>
+      <p:sp>
+        <p:nvSpPr>
+          <p:cNvPr id="2" name="Title 1"/>
+          <p:cNvSpPr>
+            <a:spLocks noGrp="1"/>
+          </p:cNvSpPr>
+          <p:nvPr>
+            <p:ph type="title"/>
+          </p:nvPr>
+        </p:nvSpPr>
+        <p:spPr/>
+        <p:txBody>
+          <a:bodyPr/>
+          <a:lstStyle/>
+          <a:p>
+            <a:r>
+              <a:rPr lang="en-US" dirty="0" smtClean="0"/>
+              <a:t>Use them in a map</a:t>
+            </a:r>
+            <a:endParaRPr lang="en-US" dirty="0"/>
+          </a:p>
+        </p:txBody>
+      </p:sp>
+    </p:spTree>
+    <p:extLst>
+      <p:ext uri="{BB962C8B-B14F-4D97-AF65-F5344CB8AC3E}">
+        <p14:creationId xmlns:p14="http://schemas.microsoft.com/office/powerpoint/2010/main" val="1953598466"/>
+      </p:ext>
+    </p:extLst>
+  </p:cSld>
+  <p:clrMapOvr>
+    <a:masterClrMapping/>
+  </p:clrMapOvr>
+</p:sld>
+</file>
+
 <file path=ppt/slides/slide2.xml><?xml version="1.0" encoding="utf-8"?>
 <p:sld xmlns:a="http://schemas.openxmlformats.org/drawingml/2006/main" xmlns:r="http://schemas.openxmlformats.org/officeDocument/2006/relationships" xmlns:p="http://schemas.openxmlformats.org/presentationml/2006/main">
   <p:cSld>
@@ -3210,43 +3570,6 @@
 <file path=ppt/slides/slide3.xml><?xml version="1.0" encoding="utf-8"?>
 <p:sld xmlns:a="http://schemas.openxmlformats.org/drawingml/2006/main" xmlns:r="http://schemas.openxmlformats.org/officeDocument/2006/relationships" xmlns:p="http://schemas.openxmlformats.org/presentationml/2006/main">
   <p:cSld>
-    <p:spTree>
-      <p:nvGrpSpPr>
-        <p:cNvPr id="1" name=""/>
-        <p:cNvGrpSpPr/>
-        <p:nvPr/>
-      </p:nvGrpSpPr>
-      <p:grpSpPr>
-        <a:xfrm>
-          <a:off x="0" y="0"/>
-          <a:ext cx="0" cy="0"/>
-          <a:chOff x="0" y="0"/>
-          <a:chExt cx="0" cy="0"/>
-        </a:xfrm>
-      </p:grpSpPr>
-    </p:spTree>
-    <p:extLst>
-      <p:ext uri="{BB962C8B-B14F-4D97-AF65-F5344CB8AC3E}">
-        <p14:creationId xmlns:p14="http://schemas.microsoft.com/office/powerpoint/2010/main" val="3804979009"/>
-      </p:ext>
-    </p:extLst>
-  </p:cSld>
-  <p:clrMapOvr>
-    <a:masterClrMapping/>
-  </p:clrMapOvr>
-  <p:timing>
-    <p:tnLst>
-      <p:par>
-        <p:cTn id="1" dur="indefinite" restart="never" nodeType="tmRoot"/>
-      </p:par>
-    </p:tnLst>
-  </p:timing>
-</p:sld>
-</file>
-
-<file path=ppt/slides/slide4.xml><?xml version="1.0" encoding="utf-8"?>
-<p:sld xmlns:a="http://schemas.openxmlformats.org/drawingml/2006/main" xmlns:r="http://schemas.openxmlformats.org/officeDocument/2006/relationships" xmlns:p="http://schemas.openxmlformats.org/presentationml/2006/main">
-  <p:cSld>
     <p:bg>
       <p:bgPr>
         <a:solidFill>
@@ -3369,6 +3692,85 @@
     <p:extLst>
       <p:ext uri="{BB962C8B-B14F-4D97-AF65-F5344CB8AC3E}">
         <p14:creationId xmlns:p14="http://schemas.microsoft.com/office/powerpoint/2010/main" val="2866156039"/>
+      </p:ext>
+    </p:extLst>
+  </p:cSld>
+  <p:clrMapOvr>
+    <a:masterClrMapping/>
+  </p:clrMapOvr>
+</p:sld>
+</file>
+
+<file path=ppt/slides/slide4.xml><?xml version="1.0" encoding="utf-8"?>
+<p:sld xmlns:a="http://schemas.openxmlformats.org/drawingml/2006/main" xmlns:r="http://schemas.openxmlformats.org/officeDocument/2006/relationships" xmlns:p="http://schemas.openxmlformats.org/presentationml/2006/main">
+  <p:cSld>
+    <p:spTree>
+      <p:nvGrpSpPr>
+        <p:cNvPr id="1" name=""/>
+        <p:cNvGrpSpPr/>
+        <p:nvPr/>
+      </p:nvGrpSpPr>
+      <p:grpSpPr>
+        <a:xfrm>
+          <a:off x="0" y="0"/>
+          <a:ext cx="0" cy="0"/>
+          <a:chOff x="0" y="0"/>
+          <a:chExt cx="0" cy="0"/>
+        </a:xfrm>
+      </p:grpSpPr>
+      <p:sp>
+        <p:nvSpPr>
+          <p:cNvPr id="3" name="Content Placeholder 2"/>
+          <p:cNvSpPr>
+            <a:spLocks noGrp="1"/>
+          </p:cNvSpPr>
+          <p:nvPr>
+            <p:ph idx="1"/>
+          </p:nvPr>
+        </p:nvSpPr>
+        <p:spPr>
+          <a:xfrm>
+            <a:off x="628650" y="1483112"/>
+            <a:ext cx="7886700" cy="4693851"/>
+          </a:xfrm>
+        </p:spPr>
+        <p:txBody>
+          <a:bodyPr>
+            <a:normAutofit/>
+          </a:bodyPr>
+          <a:lstStyle/>
+          <a:p>
+            <a:pPr marL="0" indent="0">
+              <a:buNone/>
+            </a:pPr>
+            <a:r>
+              <a:rPr lang="en-US" sz="4800" dirty="0"/>
+              <a:t>let’s look at one option: </a:t>
+            </a:r>
+            <a:endParaRPr lang="en-US" sz="4800" dirty="0" smtClean="0"/>
+          </a:p>
+          <a:p>
+            <a:pPr marL="0" indent="0">
+              <a:buNone/>
+            </a:pPr>
+            <a:endParaRPr lang="en-US" sz="4800" dirty="0"/>
+          </a:p>
+          <a:p>
+            <a:pPr marL="0" indent="0">
+              <a:buNone/>
+            </a:pPr>
+            <a:r>
+              <a:rPr lang="en-US" sz="6000" dirty="0" err="1" smtClean="0"/>
+              <a:t>Inkscape</a:t>
+            </a:r>
+            <a:endParaRPr lang="en-US" sz="6000" dirty="0"/>
+          </a:p>
+        </p:txBody>
+      </p:sp>
+    </p:spTree>
+    <p:extLst>
+      <p:ext uri="{BB962C8B-B14F-4D97-AF65-F5344CB8AC3E}">
+        <p14:creationId xmlns:p14="http://schemas.microsoft.com/office/powerpoint/2010/main" val="1100647329"/>
       </p:ext>
     </p:extLst>
   </p:cSld>
@@ -3397,57 +3799,58 @@
       </p:grpSpPr>
       <p:sp>
         <p:nvSpPr>
-          <p:cNvPr id="3" name="Content Placeholder 2"/>
-          <p:cNvSpPr>
-            <a:spLocks noGrp="1"/>
-          </p:cNvSpPr>
-          <p:nvPr>
-            <p:ph idx="1"/>
-          </p:nvPr>
-        </p:nvSpPr>
-        <p:spPr>
-          <a:xfrm>
-            <a:off x="628650" y="1483112"/>
-            <a:ext cx="7886700" cy="4693851"/>
-          </a:xfrm>
-        </p:spPr>
-        <p:txBody>
-          <a:bodyPr>
-            <a:normAutofit/>
-          </a:bodyPr>
-          <a:lstStyle/>
-          <a:p>
-            <a:pPr marL="0" indent="0">
-              <a:buNone/>
-            </a:pPr>
-            <a:r>
-              <a:rPr lang="en-US" sz="4800" dirty="0"/>
-              <a:t>let’s look at one option: </a:t>
-            </a:r>
-            <a:endParaRPr lang="en-US" sz="4800" dirty="0" smtClean="0"/>
-          </a:p>
-          <a:p>
-            <a:pPr marL="0" indent="0">
-              <a:buNone/>
-            </a:pPr>
-            <a:endParaRPr lang="en-US" sz="4800" dirty="0"/>
-          </a:p>
-          <a:p>
-            <a:pPr marL="0" indent="0">
-              <a:buNone/>
-            </a:pPr>
-            <a:r>
-              <a:rPr lang="en-US" sz="6000" dirty="0" err="1" smtClean="0"/>
+          <p:cNvPr id="2" name="Title 1"/>
+          <p:cNvSpPr>
+            <a:spLocks noGrp="1"/>
+          </p:cNvSpPr>
+          <p:nvPr>
+            <p:ph type="title"/>
+          </p:nvPr>
+        </p:nvSpPr>
+        <p:spPr/>
+        <p:txBody>
+          <a:bodyPr/>
+          <a:lstStyle/>
+          <a:p>
+            <a:r>
+              <a:rPr lang="en-US" dirty="0" smtClean="0"/>
+              <a:t>What is </a:t>
+            </a:r>
+            <a:r>
+              <a:rPr lang="en-US" dirty="0" err="1" smtClean="0"/>
               <a:t>Inkscape</a:t>
             </a:r>
-            <a:endParaRPr lang="en-US" sz="6000" dirty="0"/>
+            <a:r>
+              <a:rPr lang="en-US" dirty="0" smtClean="0"/>
+              <a:t>?</a:t>
+            </a:r>
+            <a:endParaRPr lang="en-US" dirty="0"/>
+          </a:p>
+        </p:txBody>
+      </p:sp>
+      <p:sp>
+        <p:nvSpPr>
+          <p:cNvPr id="4" name="Text Placeholder 3"/>
+          <p:cNvSpPr>
+            <a:spLocks noGrp="1"/>
+          </p:cNvSpPr>
+          <p:nvPr>
+            <p:ph type="body" idx="1"/>
+          </p:nvPr>
+        </p:nvSpPr>
+        <p:spPr/>
+        <p:txBody>
+          <a:bodyPr/>
+          <a:lstStyle/>
+          <a:p>
+            <a:endParaRPr lang="en-US"/>
           </a:p>
         </p:txBody>
       </p:sp>
     </p:spTree>
     <p:extLst>
       <p:ext uri="{BB962C8B-B14F-4D97-AF65-F5344CB8AC3E}">
-        <p14:creationId xmlns:p14="http://schemas.microsoft.com/office/powerpoint/2010/main" val="1100647329"/>
+        <p14:creationId xmlns:p14="http://schemas.microsoft.com/office/powerpoint/2010/main" val="1760635665"/>
       </p:ext>
     </p:extLst>
   </p:cSld>
@@ -3474,60 +3877,40 @@
           <a:chExt cx="0" cy="0"/>
         </a:xfrm>
       </p:grpSpPr>
-      <p:sp>
-        <p:nvSpPr>
-          <p:cNvPr id="2" name="Title 1"/>
-          <p:cNvSpPr>
-            <a:spLocks noGrp="1"/>
-          </p:cNvSpPr>
-          <p:nvPr>
-            <p:ph type="title"/>
-          </p:nvPr>
-        </p:nvSpPr>
-        <p:spPr/>
-        <p:txBody>
-          <a:bodyPr/>
-          <a:lstStyle/>
-          <a:p>
-            <a:r>
-              <a:rPr lang="en-US" dirty="0" smtClean="0"/>
-              <a:t>What is </a:t>
-            </a:r>
-            <a:r>
-              <a:rPr lang="en-US" dirty="0" err="1" smtClean="0"/>
-              <a:t>Inkscape</a:t>
-            </a:r>
-            <a:r>
-              <a:rPr lang="en-US" dirty="0" smtClean="0"/>
-              <a:t>?</a:t>
-            </a:r>
-            <a:endParaRPr lang="en-US" dirty="0"/>
-          </a:p>
-        </p:txBody>
-      </p:sp>
-      <p:sp>
-        <p:nvSpPr>
-          <p:cNvPr id="3" name="Content Placeholder 2"/>
-          <p:cNvSpPr>
-            <a:spLocks noGrp="1"/>
-          </p:cNvSpPr>
-          <p:nvPr>
-            <p:ph idx="1"/>
-          </p:nvPr>
-        </p:nvSpPr>
-        <p:spPr/>
-        <p:txBody>
-          <a:bodyPr/>
-          <a:lstStyle/>
-          <a:p>
-            <a:endParaRPr lang="en-US"/>
-          </a:p>
-        </p:txBody>
-      </p:sp>
+      <p:pic>
+        <p:nvPicPr>
+          <p:cNvPr id="4" name="Picture 3"/>
+          <p:cNvPicPr>
+            <a:picLocks noChangeAspect="1"/>
+          </p:cNvPicPr>
+          <p:nvPr/>
+        </p:nvPicPr>
+        <p:blipFill>
+          <a:blip r:embed="rId2">
+            <a:extLst>
+              <a:ext uri="{28A0092B-C50C-407E-A947-70E740481C1C}">
+                <a14:useLocalDpi xmlns:a14="http://schemas.microsoft.com/office/drawing/2010/main" val="0"/>
+              </a:ext>
+            </a:extLst>
+          </a:blip>
+          <a:stretch>
+            <a:fillRect/>
+          </a:stretch>
+        </p:blipFill>
+        <p:spPr>
+          <a:xfrm>
+            <a:off x="163286" y="278098"/>
+            <a:ext cx="8817428" cy="5838796"/>
+          </a:xfrm>
+          <a:prstGeom prst="rect">
+            <a:avLst/>
+          </a:prstGeom>
+        </p:spPr>
+      </p:pic>
     </p:spTree>
     <p:extLst>
       <p:ext uri="{BB962C8B-B14F-4D97-AF65-F5344CB8AC3E}">
-        <p14:creationId xmlns:p14="http://schemas.microsoft.com/office/powerpoint/2010/main" val="1760635665"/>
+        <p14:creationId xmlns:p14="http://schemas.microsoft.com/office/powerpoint/2010/main" val="1967894336"/>
       </p:ext>
     </p:extLst>
   </p:cSld>
@@ -3595,12 +3978,32 @@
             <p:ph idx="1"/>
           </p:nvPr>
         </p:nvSpPr>
-        <p:spPr/>
-        <p:txBody>
-          <a:bodyPr/>
-          <a:lstStyle/>
-          <a:p>
-            <a:endParaRPr lang="en-US"/>
+        <p:spPr>
+          <a:xfrm>
+            <a:off x="628650" y="2971799"/>
+            <a:ext cx="7886700" cy="3205163"/>
+          </a:xfrm>
+        </p:spPr>
+        <p:txBody>
+          <a:bodyPr>
+            <a:normAutofit/>
+          </a:bodyPr>
+          <a:lstStyle/>
+          <a:p>
+            <a:pPr marL="0" indent="0">
+              <a:buNone/>
+            </a:pPr>
+            <a:r>
+              <a:rPr lang="en-US" sz="3600" dirty="0" smtClean="0"/>
+              <a:t>Layer Properties </a:t>
+            </a:r>
+            <a:r>
+              <a:rPr lang="en-US" sz="3600" dirty="0" smtClean="0">
+                <a:sym typeface="Wingdings" panose="05000000000000000000" pitchFamily="2" charset="2"/>
+              </a:rPr>
+              <a:t> Style  SVG Marker/Fill</a:t>
+            </a:r>
+            <a:endParaRPr lang="en-US" sz="3600" dirty="0"/>
           </a:p>
         </p:txBody>
       </p:sp>
@@ -3670,6 +4073,66 @@
     <p:extLst>
       <p:ext uri="{BB962C8B-B14F-4D97-AF65-F5344CB8AC3E}">
         <p14:creationId xmlns:p14="http://schemas.microsoft.com/office/powerpoint/2010/main" val="1987854774"/>
+      </p:ext>
+    </p:extLst>
+  </p:cSld>
+  <p:clrMapOvr>
+    <a:masterClrMapping/>
+  </p:clrMapOvr>
+</p:sld>
+</file>
+
+<file path=ppt/slides/slide9.xml><?xml version="1.0" encoding="utf-8"?>
+<p:sld xmlns:a="http://schemas.openxmlformats.org/drawingml/2006/main" xmlns:r="http://schemas.openxmlformats.org/officeDocument/2006/relationships" xmlns:p="http://schemas.openxmlformats.org/presentationml/2006/main">
+  <p:cSld>
+    <p:spTree>
+      <p:nvGrpSpPr>
+        <p:cNvPr id="1" name=""/>
+        <p:cNvGrpSpPr/>
+        <p:nvPr/>
+      </p:nvGrpSpPr>
+      <p:grpSpPr>
+        <a:xfrm>
+          <a:off x="0" y="0"/>
+          <a:ext cx="0" cy="0"/>
+          <a:chOff x="0" y="0"/>
+          <a:chExt cx="0" cy="0"/>
+        </a:xfrm>
+      </p:grpSpPr>
+      <p:pic>
+        <p:nvPicPr>
+          <p:cNvPr id="5" name="Picture 4"/>
+          <p:cNvPicPr>
+            <a:picLocks noChangeAspect="1"/>
+          </p:cNvPicPr>
+          <p:nvPr/>
+        </p:nvPicPr>
+        <p:blipFill>
+          <a:blip r:embed="rId2" cstate="print">
+            <a:extLst>
+              <a:ext uri="{28A0092B-C50C-407E-A947-70E740481C1C}">
+                <a14:useLocalDpi xmlns:a14="http://schemas.microsoft.com/office/drawing/2010/main" val="0"/>
+              </a:ext>
+            </a:extLst>
+          </a:blip>
+          <a:stretch>
+            <a:fillRect/>
+          </a:stretch>
+        </p:blipFill>
+        <p:spPr>
+          <a:xfrm>
+            <a:off x="0" y="659476"/>
+            <a:ext cx="9144000" cy="5003483"/>
+          </a:xfrm>
+          <a:prstGeom prst="rect">
+            <a:avLst/>
+          </a:prstGeom>
+        </p:spPr>
+      </p:pic>
+    </p:spTree>
+    <p:extLst>
+      <p:ext uri="{BB962C8B-B14F-4D97-AF65-F5344CB8AC3E}">
+        <p14:creationId xmlns:p14="http://schemas.microsoft.com/office/powerpoint/2010/main" val="3971013046"/>
       </p:ext>
     </p:extLst>
   </p:cSld>

--- a/Talk/Slides/Custom QGIS Symbols with Inkscape.pptx
+++ b/Talk/Slides/Custom QGIS Symbols with Inkscape.pptx
@@ -16,8 +16,16 @@
     <p:sldId id="269" r:id="rId10"/>
     <p:sldId id="268" r:id="rId11"/>
     <p:sldId id="270" r:id="rId12"/>
-    <p:sldId id="272" r:id="rId13"/>
-    <p:sldId id="271" r:id="rId14"/>
+    <p:sldId id="273" r:id="rId13"/>
+    <p:sldId id="274" r:id="rId14"/>
+    <p:sldId id="275" r:id="rId15"/>
+    <p:sldId id="276" r:id="rId16"/>
+    <p:sldId id="280" r:id="rId17"/>
+    <p:sldId id="277" r:id="rId18"/>
+    <p:sldId id="278" r:id="rId19"/>
+    <p:sldId id="272" r:id="rId20"/>
+    <p:sldId id="271" r:id="rId21"/>
+    <p:sldId id="279" r:id="rId22"/>
   </p:sldIdLst>
   <p:sldSz cx="9144000" cy="6858000" type="screen4x3"/>
   <p:notesSz cx="6858000" cy="9144000"/>
@@ -3338,6 +3346,13 @@
   <p:clrMapOvr>
     <a:masterClrMapping/>
   </p:clrMapOvr>
+  <p:timing>
+    <p:tnLst>
+      <p:par>
+        <p:cTn id="1" dur="indefinite" restart="never" nodeType="tmRoot"/>
+      </p:par>
+    </p:tnLst>
+  </p:timing>
 </p:sld>
 </file>
 
@@ -3391,6 +3406,13 @@
   <p:clrMapOvr>
     <a:masterClrMapping/>
   </p:clrMapOvr>
+  <p:timing>
+    <p:tnLst>
+      <p:par>
+        <p:cTn id="1" dur="indefinite" restart="never" nodeType="tmRoot"/>
+      </p:par>
+    </p:tnLst>
+  </p:timing>
 </p:sld>
 </file>
 
@@ -3411,39 +3433,53 @@
           <a:chExt cx="0" cy="0"/>
         </a:xfrm>
       </p:grpSpPr>
-      <p:sp>
-        <p:nvSpPr>
-          <p:cNvPr id="2" name="Title 1"/>
-          <p:cNvSpPr>
-            <a:spLocks noGrp="1"/>
-          </p:cNvSpPr>
-          <p:nvPr>
-            <p:ph type="title"/>
-          </p:nvPr>
-        </p:nvSpPr>
-        <p:spPr/>
-        <p:txBody>
-          <a:bodyPr/>
-          <a:lstStyle/>
-          <a:p>
-            <a:r>
-              <a:rPr lang="en-US" dirty="0" smtClean="0"/>
-              <a:t>Trace Bitmap</a:t>
-            </a:r>
-            <a:endParaRPr lang="en-US" dirty="0"/>
-          </a:p>
-        </p:txBody>
-      </p:sp>
+      <p:pic>
+        <p:nvPicPr>
+          <p:cNvPr id="4" name="Picture 3"/>
+          <p:cNvPicPr>
+            <a:picLocks noChangeAspect="1"/>
+          </p:cNvPicPr>
+          <p:nvPr/>
+        </p:nvPicPr>
+        <p:blipFill>
+          <a:blip r:embed="rId2">
+            <a:extLst>
+              <a:ext uri="{28A0092B-C50C-407E-A947-70E740481C1C}">
+                <a14:useLocalDpi xmlns:a14="http://schemas.microsoft.com/office/drawing/2010/main" val="0"/>
+              </a:ext>
+            </a:extLst>
+          </a:blip>
+          <a:stretch>
+            <a:fillRect/>
+          </a:stretch>
+        </p:blipFill>
+        <p:spPr>
+          <a:xfrm>
+            <a:off x="0" y="0"/>
+            <a:ext cx="9144000" cy="6858000"/>
+          </a:xfrm>
+          <a:prstGeom prst="rect">
+            <a:avLst/>
+          </a:prstGeom>
+        </p:spPr>
+      </p:pic>
     </p:spTree>
     <p:extLst>
       <p:ext uri="{BB962C8B-B14F-4D97-AF65-F5344CB8AC3E}">
-        <p14:creationId xmlns:p14="http://schemas.microsoft.com/office/powerpoint/2010/main" val="2504863132"/>
+        <p14:creationId xmlns:p14="http://schemas.microsoft.com/office/powerpoint/2010/main" val="194965804"/>
       </p:ext>
     </p:extLst>
   </p:cSld>
   <p:clrMapOvr>
     <a:masterClrMapping/>
   </p:clrMapOvr>
+  <p:timing>
+    <p:tnLst>
+      <p:par>
+        <p:cTn id="1" dur="indefinite" restart="never" nodeType="tmRoot"/>
+      </p:par>
+    </p:tnLst>
+  </p:timing>
 </p:sld>
 </file>
 
@@ -3464,39 +3500,472 @@
           <a:chExt cx="0" cy="0"/>
         </a:xfrm>
       </p:grpSpPr>
-      <p:sp>
-        <p:nvSpPr>
-          <p:cNvPr id="2" name="Title 1"/>
-          <p:cNvSpPr>
-            <a:spLocks noGrp="1"/>
-          </p:cNvSpPr>
-          <p:nvPr>
-            <p:ph type="title"/>
-          </p:nvPr>
-        </p:nvSpPr>
-        <p:spPr/>
-        <p:txBody>
-          <a:bodyPr/>
-          <a:lstStyle/>
-          <a:p>
-            <a:r>
-              <a:rPr lang="en-US" dirty="0" smtClean="0"/>
-              <a:t>Use them in a map</a:t>
-            </a:r>
-            <a:endParaRPr lang="en-US" dirty="0"/>
-          </a:p>
-        </p:txBody>
-      </p:sp>
+      <p:pic>
+        <p:nvPicPr>
+          <p:cNvPr id="2" name="Picture 1"/>
+          <p:cNvPicPr>
+            <a:picLocks noChangeAspect="1"/>
+          </p:cNvPicPr>
+          <p:nvPr/>
+        </p:nvPicPr>
+        <p:blipFill>
+          <a:blip r:embed="rId2">
+            <a:extLst>
+              <a:ext uri="{28A0092B-C50C-407E-A947-70E740481C1C}">
+                <a14:useLocalDpi xmlns:a14="http://schemas.microsoft.com/office/drawing/2010/main" val="0"/>
+              </a:ext>
+            </a:extLst>
+          </a:blip>
+          <a:stretch>
+            <a:fillRect/>
+          </a:stretch>
+        </p:blipFill>
+        <p:spPr>
+          <a:xfrm>
+            <a:off x="0" y="0"/>
+            <a:ext cx="9144000" cy="6858000"/>
+          </a:xfrm>
+          <a:prstGeom prst="rect">
+            <a:avLst/>
+          </a:prstGeom>
+        </p:spPr>
+      </p:pic>
     </p:spTree>
     <p:extLst>
       <p:ext uri="{BB962C8B-B14F-4D97-AF65-F5344CB8AC3E}">
-        <p14:creationId xmlns:p14="http://schemas.microsoft.com/office/powerpoint/2010/main" val="1953598466"/>
+        <p14:creationId xmlns:p14="http://schemas.microsoft.com/office/powerpoint/2010/main" val="1875397737"/>
       </p:ext>
     </p:extLst>
   </p:cSld>
   <p:clrMapOvr>
     <a:masterClrMapping/>
   </p:clrMapOvr>
+  <p:timing>
+    <p:tnLst>
+      <p:par>
+        <p:cTn id="1" dur="indefinite" restart="never" nodeType="tmRoot"/>
+      </p:par>
+    </p:tnLst>
+  </p:timing>
+</p:sld>
+</file>
+
+<file path=ppt/slides/slide14.xml><?xml version="1.0" encoding="utf-8"?>
+<p:sld xmlns:a="http://schemas.openxmlformats.org/drawingml/2006/main" xmlns:r="http://schemas.openxmlformats.org/officeDocument/2006/relationships" xmlns:p="http://schemas.openxmlformats.org/presentationml/2006/main">
+  <p:cSld>
+    <p:spTree>
+      <p:nvGrpSpPr>
+        <p:cNvPr id="1" name=""/>
+        <p:cNvGrpSpPr/>
+        <p:nvPr/>
+      </p:nvGrpSpPr>
+      <p:grpSpPr>
+        <a:xfrm>
+          <a:off x="0" y="0"/>
+          <a:ext cx="0" cy="0"/>
+          <a:chOff x="0" y="0"/>
+          <a:chExt cx="0" cy="0"/>
+        </a:xfrm>
+      </p:grpSpPr>
+      <p:pic>
+        <p:nvPicPr>
+          <p:cNvPr id="3" name="Picture 2"/>
+          <p:cNvPicPr>
+            <a:picLocks noChangeAspect="1"/>
+          </p:cNvPicPr>
+          <p:nvPr/>
+        </p:nvPicPr>
+        <p:blipFill>
+          <a:blip r:embed="rId2">
+            <a:extLst>
+              <a:ext uri="{28A0092B-C50C-407E-A947-70E740481C1C}">
+                <a14:useLocalDpi xmlns:a14="http://schemas.microsoft.com/office/drawing/2010/main" val="0"/>
+              </a:ext>
+            </a:extLst>
+          </a:blip>
+          <a:stretch>
+            <a:fillRect/>
+          </a:stretch>
+        </p:blipFill>
+        <p:spPr>
+          <a:xfrm>
+            <a:off x="0" y="0"/>
+            <a:ext cx="9144000" cy="6858000"/>
+          </a:xfrm>
+          <a:prstGeom prst="rect">
+            <a:avLst/>
+          </a:prstGeom>
+        </p:spPr>
+      </p:pic>
+    </p:spTree>
+    <p:extLst>
+      <p:ext uri="{BB962C8B-B14F-4D97-AF65-F5344CB8AC3E}">
+        <p14:creationId xmlns:p14="http://schemas.microsoft.com/office/powerpoint/2010/main" val="2692907501"/>
+      </p:ext>
+    </p:extLst>
+  </p:cSld>
+  <p:clrMapOvr>
+    <a:masterClrMapping/>
+  </p:clrMapOvr>
+  <p:timing>
+    <p:tnLst>
+      <p:par>
+        <p:cTn id="1" dur="indefinite" restart="never" nodeType="tmRoot"/>
+      </p:par>
+    </p:tnLst>
+  </p:timing>
+</p:sld>
+</file>
+
+<file path=ppt/slides/slide15.xml><?xml version="1.0" encoding="utf-8"?>
+<p:sld xmlns:a="http://schemas.openxmlformats.org/drawingml/2006/main" xmlns:r="http://schemas.openxmlformats.org/officeDocument/2006/relationships" xmlns:p="http://schemas.openxmlformats.org/presentationml/2006/main">
+  <p:cSld>
+    <p:spTree>
+      <p:nvGrpSpPr>
+        <p:cNvPr id="1" name=""/>
+        <p:cNvGrpSpPr/>
+        <p:nvPr/>
+      </p:nvGrpSpPr>
+      <p:grpSpPr>
+        <a:xfrm>
+          <a:off x="0" y="0"/>
+          <a:ext cx="0" cy="0"/>
+          <a:chOff x="0" y="0"/>
+          <a:chExt cx="0" cy="0"/>
+        </a:xfrm>
+      </p:grpSpPr>
+      <p:pic>
+        <p:nvPicPr>
+          <p:cNvPr id="2" name="Picture 1"/>
+          <p:cNvPicPr>
+            <a:picLocks noChangeAspect="1"/>
+          </p:cNvPicPr>
+          <p:nvPr/>
+        </p:nvPicPr>
+        <p:blipFill>
+          <a:blip r:embed="rId2">
+            <a:extLst>
+              <a:ext uri="{28A0092B-C50C-407E-A947-70E740481C1C}">
+                <a14:useLocalDpi xmlns:a14="http://schemas.microsoft.com/office/drawing/2010/main" val="0"/>
+              </a:ext>
+            </a:extLst>
+          </a:blip>
+          <a:stretch>
+            <a:fillRect/>
+          </a:stretch>
+        </p:blipFill>
+        <p:spPr>
+          <a:xfrm>
+            <a:off x="0" y="0"/>
+            <a:ext cx="9144000" cy="6858000"/>
+          </a:xfrm>
+          <a:prstGeom prst="rect">
+            <a:avLst/>
+          </a:prstGeom>
+        </p:spPr>
+      </p:pic>
+    </p:spTree>
+    <p:extLst>
+      <p:ext uri="{BB962C8B-B14F-4D97-AF65-F5344CB8AC3E}">
+        <p14:creationId xmlns:p14="http://schemas.microsoft.com/office/powerpoint/2010/main" val="2605788894"/>
+      </p:ext>
+    </p:extLst>
+  </p:cSld>
+  <p:clrMapOvr>
+    <a:masterClrMapping/>
+  </p:clrMapOvr>
+  <p:timing>
+    <p:tnLst>
+      <p:par>
+        <p:cTn id="1" dur="indefinite" restart="never" nodeType="tmRoot"/>
+      </p:par>
+    </p:tnLst>
+  </p:timing>
+</p:sld>
+</file>
+
+<file path=ppt/slides/slide16.xml><?xml version="1.0" encoding="utf-8"?>
+<p:sld xmlns:a="http://schemas.openxmlformats.org/drawingml/2006/main" xmlns:r="http://schemas.openxmlformats.org/officeDocument/2006/relationships" xmlns:p="http://schemas.openxmlformats.org/presentationml/2006/main">
+  <p:cSld>
+    <p:spTree>
+      <p:nvGrpSpPr>
+        <p:cNvPr id="1" name=""/>
+        <p:cNvGrpSpPr/>
+        <p:nvPr/>
+      </p:nvGrpSpPr>
+      <p:grpSpPr>
+        <a:xfrm>
+          <a:off x="0" y="0"/>
+          <a:ext cx="0" cy="0"/>
+          <a:chOff x="0" y="0"/>
+          <a:chExt cx="0" cy="0"/>
+        </a:xfrm>
+      </p:grpSpPr>
+    </p:spTree>
+    <p:extLst>
+      <p:ext uri="{BB962C8B-B14F-4D97-AF65-F5344CB8AC3E}">
+        <p14:creationId xmlns:p14="http://schemas.microsoft.com/office/powerpoint/2010/main" val="644965068"/>
+      </p:ext>
+    </p:extLst>
+  </p:cSld>
+  <p:clrMapOvr>
+    <a:masterClrMapping/>
+  </p:clrMapOvr>
+</p:sld>
+</file>
+
+<file path=ppt/slides/slide17.xml><?xml version="1.0" encoding="utf-8"?>
+<p:sld xmlns:a="http://schemas.openxmlformats.org/drawingml/2006/main" xmlns:r="http://schemas.openxmlformats.org/officeDocument/2006/relationships" xmlns:p="http://schemas.openxmlformats.org/presentationml/2006/main">
+  <p:cSld>
+    <p:spTree>
+      <p:nvGrpSpPr>
+        <p:cNvPr id="1" name=""/>
+        <p:cNvGrpSpPr/>
+        <p:nvPr/>
+      </p:nvGrpSpPr>
+      <p:grpSpPr>
+        <a:xfrm>
+          <a:off x="0" y="0"/>
+          <a:ext cx="0" cy="0"/>
+          <a:chOff x="0" y="0"/>
+          <a:chExt cx="0" cy="0"/>
+        </a:xfrm>
+      </p:grpSpPr>
+      <p:sp>
+        <p:nvSpPr>
+          <p:cNvPr id="2" name="Title 1"/>
+          <p:cNvSpPr>
+            <a:spLocks noGrp="1"/>
+          </p:cNvSpPr>
+          <p:nvPr>
+            <p:ph type="title"/>
+          </p:nvPr>
+        </p:nvSpPr>
+        <p:spPr/>
+        <p:txBody>
+          <a:bodyPr/>
+          <a:lstStyle/>
+          <a:p>
+            <a:r>
+              <a:rPr lang="en-US" dirty="0" smtClean="0"/>
+              <a:t>Key Concepts:</a:t>
+            </a:r>
+            <a:endParaRPr lang="en-US" dirty="0"/>
+          </a:p>
+        </p:txBody>
+      </p:sp>
+      <p:sp>
+        <p:nvSpPr>
+          <p:cNvPr id="3" name="Content Placeholder 2"/>
+          <p:cNvSpPr>
+            <a:spLocks noGrp="1"/>
+          </p:cNvSpPr>
+          <p:nvPr>
+            <p:ph idx="1"/>
+          </p:nvPr>
+        </p:nvSpPr>
+        <p:spPr/>
+        <p:txBody>
+          <a:bodyPr/>
+          <a:lstStyle/>
+          <a:p>
+            <a:pPr marL="0" indent="0">
+              <a:buNone/>
+            </a:pPr>
+            <a:r>
+              <a:rPr lang="en-US" dirty="0" smtClean="0"/>
+              <a:t>Use simple shapes</a:t>
+            </a:r>
+          </a:p>
+          <a:p>
+            <a:pPr marL="0" indent="0">
+              <a:buNone/>
+            </a:pPr>
+            <a:endParaRPr lang="en-US" dirty="0"/>
+          </a:p>
+          <a:p>
+            <a:pPr marL="0" indent="0">
+              <a:buNone/>
+            </a:pPr>
+            <a:r>
+              <a:rPr lang="en-US" dirty="0" smtClean="0"/>
+              <a:t>Layer shapes to create complex items</a:t>
+            </a:r>
+          </a:p>
+          <a:p>
+            <a:pPr marL="0" indent="0">
+              <a:buNone/>
+            </a:pPr>
+            <a:endParaRPr lang="en-US" dirty="0"/>
+          </a:p>
+          <a:p>
+            <a:pPr marL="0" indent="0">
+              <a:buNone/>
+            </a:pPr>
+            <a:r>
+              <a:rPr lang="en-US" dirty="0" smtClean="0"/>
+              <a:t>Skip details = simple is better</a:t>
+            </a:r>
+            <a:endParaRPr lang="en-US" dirty="0"/>
+          </a:p>
+        </p:txBody>
+      </p:sp>
+    </p:spTree>
+    <p:extLst>
+      <p:ext uri="{BB962C8B-B14F-4D97-AF65-F5344CB8AC3E}">
+        <p14:creationId xmlns:p14="http://schemas.microsoft.com/office/powerpoint/2010/main" val="1123504959"/>
+      </p:ext>
+    </p:extLst>
+  </p:cSld>
+  <p:clrMapOvr>
+    <a:masterClrMapping/>
+  </p:clrMapOvr>
+  <p:timing>
+    <p:tnLst>
+      <p:par>
+        <p:cTn id="1" dur="indefinite" restart="never" nodeType="tmRoot"/>
+      </p:par>
+    </p:tnLst>
+  </p:timing>
+</p:sld>
+</file>
+
+<file path=ppt/slides/slide18.xml><?xml version="1.0" encoding="utf-8"?>
+<p:sld xmlns:a="http://schemas.openxmlformats.org/drawingml/2006/main" xmlns:r="http://schemas.openxmlformats.org/officeDocument/2006/relationships" xmlns:p="http://schemas.openxmlformats.org/presentationml/2006/main">
+  <p:cSld>
+    <p:spTree>
+      <p:nvGrpSpPr>
+        <p:cNvPr id="1" name=""/>
+        <p:cNvGrpSpPr/>
+        <p:nvPr/>
+      </p:nvGrpSpPr>
+      <p:grpSpPr>
+        <a:xfrm>
+          <a:off x="0" y="0"/>
+          <a:ext cx="0" cy="0"/>
+          <a:chOff x="0" y="0"/>
+          <a:chExt cx="0" cy="0"/>
+        </a:xfrm>
+      </p:grpSpPr>
+      <p:sp>
+        <p:nvSpPr>
+          <p:cNvPr id="4" name="Title 3"/>
+          <p:cNvSpPr>
+            <a:spLocks noGrp="1"/>
+          </p:cNvSpPr>
+          <p:nvPr>
+            <p:ph type="title"/>
+          </p:nvPr>
+        </p:nvSpPr>
+        <p:spPr/>
+        <p:txBody>
+          <a:bodyPr/>
+          <a:lstStyle/>
+          <a:p>
+            <a:r>
+              <a:rPr lang="en-US" dirty="0" smtClean="0"/>
+              <a:t>Let’s do a few more!</a:t>
+            </a:r>
+            <a:endParaRPr lang="en-US" dirty="0"/>
+          </a:p>
+        </p:txBody>
+      </p:sp>
+      <p:sp>
+        <p:nvSpPr>
+          <p:cNvPr id="5" name="Text Placeholder 4"/>
+          <p:cNvSpPr>
+            <a:spLocks noGrp="1"/>
+          </p:cNvSpPr>
+          <p:nvPr>
+            <p:ph type="body" idx="1"/>
+          </p:nvPr>
+        </p:nvSpPr>
+        <p:spPr/>
+        <p:txBody>
+          <a:bodyPr/>
+          <a:lstStyle/>
+          <a:p>
+            <a:endParaRPr lang="en-US"/>
+          </a:p>
+        </p:txBody>
+      </p:sp>
+    </p:spTree>
+    <p:extLst>
+      <p:ext uri="{BB962C8B-B14F-4D97-AF65-F5344CB8AC3E}">
+        <p14:creationId xmlns:p14="http://schemas.microsoft.com/office/powerpoint/2010/main" val="4103525120"/>
+      </p:ext>
+    </p:extLst>
+  </p:cSld>
+  <p:clrMapOvr>
+    <a:masterClrMapping/>
+  </p:clrMapOvr>
+  <p:timing>
+    <p:tnLst>
+      <p:par>
+        <p:cTn id="1" dur="indefinite" restart="never" nodeType="tmRoot"/>
+      </p:par>
+    </p:tnLst>
+  </p:timing>
+</p:sld>
+</file>
+
+<file path=ppt/slides/slide19.xml><?xml version="1.0" encoding="utf-8"?>
+<p:sld xmlns:a="http://schemas.openxmlformats.org/drawingml/2006/main" xmlns:r="http://schemas.openxmlformats.org/officeDocument/2006/relationships" xmlns:p="http://schemas.openxmlformats.org/presentationml/2006/main">
+  <p:cSld>
+    <p:spTree>
+      <p:nvGrpSpPr>
+        <p:cNvPr id="1" name=""/>
+        <p:cNvGrpSpPr/>
+        <p:nvPr/>
+      </p:nvGrpSpPr>
+      <p:grpSpPr>
+        <a:xfrm>
+          <a:off x="0" y="0"/>
+          <a:ext cx="0" cy="0"/>
+          <a:chOff x="0" y="0"/>
+          <a:chExt cx="0" cy="0"/>
+        </a:xfrm>
+      </p:grpSpPr>
+      <p:sp>
+        <p:nvSpPr>
+          <p:cNvPr id="2" name="Title 1"/>
+          <p:cNvSpPr>
+            <a:spLocks noGrp="1"/>
+          </p:cNvSpPr>
+          <p:nvPr>
+            <p:ph type="title"/>
+          </p:nvPr>
+        </p:nvSpPr>
+        <p:spPr/>
+        <p:txBody>
+          <a:bodyPr/>
+          <a:lstStyle/>
+          <a:p>
+            <a:r>
+              <a:rPr lang="en-US" dirty="0" smtClean="0"/>
+              <a:t>Trace Bitmap</a:t>
+            </a:r>
+            <a:endParaRPr lang="en-US" dirty="0"/>
+          </a:p>
+        </p:txBody>
+      </p:sp>
+    </p:spTree>
+    <p:extLst>
+      <p:ext uri="{BB962C8B-B14F-4D97-AF65-F5344CB8AC3E}">
+        <p14:creationId xmlns:p14="http://schemas.microsoft.com/office/powerpoint/2010/main" val="2504863132"/>
+      </p:ext>
+    </p:extLst>
+  </p:cSld>
+  <p:clrMapOvr>
+    <a:masterClrMapping/>
+  </p:clrMapOvr>
+  <p:timing>
+    <p:tnLst>
+      <p:par>
+        <p:cTn id="1" dur="indefinite" restart="never" nodeType="tmRoot"/>
+      </p:par>
+    </p:tnLst>
+  </p:timing>
 </p:sld>
 </file>
 
@@ -3567,6 +4036,197 @@
 </p:sld>
 </file>
 
+<file path=ppt/slides/slide20.xml><?xml version="1.0" encoding="utf-8"?>
+<p:sld xmlns:a="http://schemas.openxmlformats.org/drawingml/2006/main" xmlns:r="http://schemas.openxmlformats.org/officeDocument/2006/relationships" xmlns:p="http://schemas.openxmlformats.org/presentationml/2006/main">
+  <p:cSld>
+    <p:spTree>
+      <p:nvGrpSpPr>
+        <p:cNvPr id="1" name=""/>
+        <p:cNvGrpSpPr/>
+        <p:nvPr/>
+      </p:nvGrpSpPr>
+      <p:grpSpPr>
+        <a:xfrm>
+          <a:off x="0" y="0"/>
+          <a:ext cx="0" cy="0"/>
+          <a:chOff x="0" y="0"/>
+          <a:chExt cx="0" cy="0"/>
+        </a:xfrm>
+      </p:grpSpPr>
+      <p:sp>
+        <p:nvSpPr>
+          <p:cNvPr id="2" name="Title 1"/>
+          <p:cNvSpPr>
+            <a:spLocks noGrp="1"/>
+          </p:cNvSpPr>
+          <p:nvPr>
+            <p:ph type="title"/>
+          </p:nvPr>
+        </p:nvSpPr>
+        <p:spPr/>
+        <p:txBody>
+          <a:bodyPr/>
+          <a:lstStyle/>
+          <a:p>
+            <a:r>
+              <a:rPr lang="en-US" dirty="0" smtClean="0"/>
+              <a:t>Use them in a map</a:t>
+            </a:r>
+            <a:endParaRPr lang="en-US" dirty="0"/>
+          </a:p>
+        </p:txBody>
+      </p:sp>
+    </p:spTree>
+    <p:extLst>
+      <p:ext uri="{BB962C8B-B14F-4D97-AF65-F5344CB8AC3E}">
+        <p14:creationId xmlns:p14="http://schemas.microsoft.com/office/powerpoint/2010/main" val="1953598466"/>
+      </p:ext>
+    </p:extLst>
+  </p:cSld>
+  <p:clrMapOvr>
+    <a:masterClrMapping/>
+  </p:clrMapOvr>
+  <p:timing>
+    <p:tnLst>
+      <p:par>
+        <p:cTn id="1" dur="indefinite" restart="never" nodeType="tmRoot"/>
+      </p:par>
+    </p:tnLst>
+  </p:timing>
+</p:sld>
+</file>
+
+<file path=ppt/slides/slide21.xml><?xml version="1.0" encoding="utf-8"?>
+<p:sld xmlns:a="http://schemas.openxmlformats.org/drawingml/2006/main" xmlns:r="http://schemas.openxmlformats.org/officeDocument/2006/relationships" xmlns:p="http://schemas.openxmlformats.org/presentationml/2006/main">
+  <p:cSld>
+    <p:spTree>
+      <p:nvGrpSpPr>
+        <p:cNvPr id="1" name=""/>
+        <p:cNvGrpSpPr/>
+        <p:nvPr/>
+      </p:nvGrpSpPr>
+      <p:grpSpPr>
+        <a:xfrm>
+          <a:off x="0" y="0"/>
+          <a:ext cx="0" cy="0"/>
+          <a:chOff x="0" y="0"/>
+          <a:chExt cx="0" cy="0"/>
+        </a:xfrm>
+      </p:grpSpPr>
+      <p:sp>
+        <p:nvSpPr>
+          <p:cNvPr id="3" name="Title 2"/>
+          <p:cNvSpPr>
+            <a:spLocks noGrp="1"/>
+          </p:cNvSpPr>
+          <p:nvPr>
+            <p:ph type="title"/>
+          </p:nvPr>
+        </p:nvSpPr>
+        <p:spPr/>
+        <p:txBody>
+          <a:bodyPr/>
+          <a:lstStyle/>
+          <a:p>
+            <a:r>
+              <a:rPr lang="en-US" dirty="0" smtClean="0"/>
+              <a:t>More Resources</a:t>
+            </a:r>
+            <a:endParaRPr lang="en-US" dirty="0"/>
+          </a:p>
+        </p:txBody>
+      </p:sp>
+      <p:sp>
+        <p:nvSpPr>
+          <p:cNvPr id="4" name="Content Placeholder 3"/>
+          <p:cNvSpPr>
+            <a:spLocks noGrp="1"/>
+          </p:cNvSpPr>
+          <p:nvPr>
+            <p:ph idx="1"/>
+          </p:nvPr>
+        </p:nvSpPr>
+        <p:spPr/>
+        <p:txBody>
+          <a:bodyPr/>
+          <a:lstStyle/>
+          <a:p>
+            <a:pPr marL="0" indent="0">
+              <a:buNone/>
+            </a:pPr>
+            <a:r>
+              <a:rPr lang="en-US" dirty="0" smtClean="0"/>
+              <a:t>Monday’s Cartography </a:t>
+            </a:r>
+            <a:r>
+              <a:rPr lang="en-US" dirty="0"/>
+              <a:t>Workshop Materials: </a:t>
+            </a:r>
+            <a:r>
+              <a:rPr lang="en-US" dirty="0">
+                <a:hlinkClick r:id="rId2"/>
+              </a:rPr>
+              <a:t>https://</a:t>
+            </a:r>
+            <a:r>
+              <a:rPr lang="en-US" dirty="0" smtClean="0">
+                <a:hlinkClick r:id="rId2"/>
+              </a:rPr>
+              <a:t>github.com/MicheleTobias/OpenSourceCartography</a:t>
+            </a:r>
+            <a:endParaRPr lang="en-US" dirty="0" smtClean="0"/>
+          </a:p>
+          <a:p>
+            <a:pPr marL="0" indent="0">
+              <a:buNone/>
+            </a:pPr>
+            <a:endParaRPr lang="en-US" dirty="0"/>
+          </a:p>
+          <a:p>
+            <a:pPr marL="0" indent="0">
+              <a:buNone/>
+            </a:pPr>
+            <a:r>
+              <a:rPr lang="en-US" dirty="0" err="1" smtClean="0"/>
+              <a:t>Inkscape</a:t>
+            </a:r>
+            <a:r>
+              <a:rPr lang="en-US" dirty="0"/>
+              <a:t> Tutorials: </a:t>
+            </a:r>
+            <a:r>
+              <a:rPr lang="en-US" dirty="0">
+                <a:hlinkClick r:id="rId3"/>
+              </a:rPr>
+              <a:t>https://inkscape.org/en/learn</a:t>
+            </a:r>
+            <a:r>
+              <a:rPr lang="en-US" dirty="0" smtClean="0">
+                <a:hlinkClick r:id="rId3"/>
+              </a:rPr>
+              <a:t>/</a:t>
+            </a:r>
+            <a:r>
+              <a:rPr lang="en-US" dirty="0" smtClean="0"/>
+              <a:t> </a:t>
+            </a:r>
+            <a:endParaRPr lang="en-US" dirty="0"/>
+          </a:p>
+        </p:txBody>
+      </p:sp>
+    </p:spTree>
+    <p:extLst>
+      <p:ext uri="{BB962C8B-B14F-4D97-AF65-F5344CB8AC3E}">
+        <p14:creationId xmlns:p14="http://schemas.microsoft.com/office/powerpoint/2010/main" val="2528731438"/>
+      </p:ext>
+    </p:extLst>
+  </p:cSld>
+  <p:clrMapOvr>
+    <a:masterClrMapping/>
+  </p:clrMapOvr>
+</p:sld>
+</file>
+
 <file path=ppt/slides/slide3.xml><?xml version="1.0" encoding="utf-8"?>
 <p:sld xmlns:a="http://schemas.openxmlformats.org/drawingml/2006/main" xmlns:r="http://schemas.openxmlformats.org/officeDocument/2006/relationships" xmlns:p="http://schemas.openxmlformats.org/presentationml/2006/main">
   <p:cSld>
@@ -3698,6 +4358,13 @@
   <p:clrMapOvr>
     <a:masterClrMapping/>
   </p:clrMapOvr>
+  <p:timing>
+    <p:tnLst>
+      <p:par>
+        <p:cTn id="1" dur="indefinite" restart="never" nodeType="tmRoot"/>
+      </p:par>
+    </p:tnLst>
+  </p:timing>
 </p:sld>
 </file>
 
@@ -3777,6 +4444,13 @@
   <p:clrMapOvr>
     <a:masterClrMapping/>
   </p:clrMapOvr>
+  <p:timing>
+    <p:tnLst>
+      <p:par>
+        <p:cTn id="1" dur="indefinite" restart="never" nodeType="tmRoot"/>
+      </p:par>
+    </p:tnLst>
+  </p:timing>
 </p:sld>
 </file>
 
@@ -3857,6 +4531,13 @@
   <p:clrMapOvr>
     <a:masterClrMapping/>
   </p:clrMapOvr>
+  <p:timing>
+    <p:tnLst>
+      <p:par>
+        <p:cTn id="1" dur="indefinite" restart="never" nodeType="tmRoot"/>
+      </p:par>
+    </p:tnLst>
+  </p:timing>
 </p:sld>
 </file>
 
@@ -3917,6 +4598,13 @@
   <p:clrMapOvr>
     <a:masterClrMapping/>
   </p:clrMapOvr>
+  <p:timing>
+    <p:tnLst>
+      <p:par>
+        <p:cTn id="1" dur="indefinite" restart="never" nodeType="tmRoot"/>
+      </p:par>
+    </p:tnLst>
+  </p:timing>
 </p:sld>
 </file>
 
@@ -4017,6 +4705,13 @@
   <p:clrMapOvr>
     <a:masterClrMapping/>
   </p:clrMapOvr>
+  <p:timing>
+    <p:tnLst>
+      <p:par>
+        <p:cTn id="1" dur="indefinite" restart="never" nodeType="tmRoot"/>
+      </p:par>
+    </p:tnLst>
+  </p:timing>
 </p:sld>
 </file>
 
@@ -4079,6 +4774,13 @@
   <p:clrMapOvr>
     <a:masterClrMapping/>
   </p:clrMapOvr>
+  <p:timing>
+    <p:tnLst>
+      <p:par>
+        <p:cTn id="1" dur="indefinite" restart="never" nodeType="tmRoot"/>
+      </p:par>
+    </p:tnLst>
+  </p:timing>
 </p:sld>
 </file>
 
@@ -4101,14 +4803,14 @@
       </p:grpSpPr>
       <p:pic>
         <p:nvPicPr>
-          <p:cNvPr id="5" name="Picture 4"/>
+          <p:cNvPr id="2" name="Picture 1"/>
           <p:cNvPicPr>
             <a:picLocks noChangeAspect="1"/>
           </p:cNvPicPr>
           <p:nvPr/>
         </p:nvPicPr>
         <p:blipFill>
-          <a:blip r:embed="rId2" cstate="print">
+          <a:blip r:embed="rId2">
             <a:extLst>
               <a:ext uri="{28A0092B-C50C-407E-A947-70E740481C1C}">
                 <a14:useLocalDpi xmlns:a14="http://schemas.microsoft.com/office/drawing/2010/main" val="0"/>
@@ -4121,8 +4823,8 @@
         </p:blipFill>
         <p:spPr>
           <a:xfrm>
-            <a:off x="0" y="659476"/>
-            <a:ext cx="9144000" cy="5003483"/>
+            <a:off x="0" y="597495"/>
+            <a:ext cx="9144000" cy="4905375"/>
           </a:xfrm>
           <a:prstGeom prst="rect">
             <a:avLst/>
@@ -4139,6 +4841,13 @@
   <p:clrMapOvr>
     <a:masterClrMapping/>
   </p:clrMapOvr>
+  <p:timing>
+    <p:tnLst>
+      <p:par>
+        <p:cTn id="1" dur="indefinite" restart="never" nodeType="tmRoot"/>
+      </p:par>
+    </p:tnLst>
+  </p:timing>
 </p:sld>
 </file>
 

--- a/Talk/Slides/Custom QGIS Symbols with Inkscape.pptx
+++ b/Talk/Slides/Custom QGIS Symbols with Inkscape.pptx
@@ -20,12 +20,14 @@
     <p:sldId id="274" r:id="rId14"/>
     <p:sldId id="275" r:id="rId15"/>
     <p:sldId id="276" r:id="rId16"/>
-    <p:sldId id="280" r:id="rId17"/>
-    <p:sldId id="277" r:id="rId18"/>
-    <p:sldId id="278" r:id="rId19"/>
-    <p:sldId id="272" r:id="rId20"/>
-    <p:sldId id="271" r:id="rId21"/>
-    <p:sldId id="279" r:id="rId22"/>
+    <p:sldId id="277" r:id="rId17"/>
+    <p:sldId id="278" r:id="rId18"/>
+    <p:sldId id="281" r:id="rId19"/>
+    <p:sldId id="282" r:id="rId20"/>
+    <p:sldId id="272" r:id="rId21"/>
+    <p:sldId id="271" r:id="rId22"/>
+    <p:sldId id="283" r:id="rId23"/>
+    <p:sldId id="279" r:id="rId24"/>
   </p:sldIdLst>
   <p:sldSz cx="9144000" cy="6858000" type="screen4x3"/>
   <p:notesSz cx="6858000" cy="9144000"/>
@@ -263,7 +265,7 @@
           <a:p>
             <a:fld id="{3EC5AA90-EC6E-47E8-A49F-95780859B7FE}" type="datetimeFigureOut">
               <a:rPr lang="en-US" smtClean="0"/>
-              <a:t>8/8/2017</a:t>
+              <a:t>8/9/2017</a:t>
             </a:fld>
             <a:endParaRPr lang="en-US"/>
           </a:p>
@@ -433,7 +435,7 @@
           <a:p>
             <a:fld id="{3EC5AA90-EC6E-47E8-A49F-95780859B7FE}" type="datetimeFigureOut">
               <a:rPr lang="en-US" smtClean="0"/>
-              <a:t>8/8/2017</a:t>
+              <a:t>8/9/2017</a:t>
             </a:fld>
             <a:endParaRPr lang="en-US"/>
           </a:p>
@@ -613,7 +615,7 @@
           <a:p>
             <a:fld id="{3EC5AA90-EC6E-47E8-A49F-95780859B7FE}" type="datetimeFigureOut">
               <a:rPr lang="en-US" smtClean="0"/>
-              <a:t>8/8/2017</a:t>
+              <a:t>8/9/2017</a:t>
             </a:fld>
             <a:endParaRPr lang="en-US"/>
           </a:p>
@@ -852,7 +854,7 @@
             <a:fld id="{3EC5AA90-EC6E-47E8-A49F-95780859B7FE}" type="datetimeFigureOut">
               <a:rPr lang="en-US" smtClean="0"/>
               <a:pPr/>
-              <a:t>8/8/2017</a:t>
+              <a:t>8/9/2017</a:t>
             </a:fld>
             <a:endParaRPr lang="en-US"/>
           </a:p>
@@ -1149,7 +1151,7 @@
             <a:fld id="{3EC5AA90-EC6E-47E8-A49F-95780859B7FE}" type="datetimeFigureOut">
               <a:rPr lang="en-US" smtClean="0"/>
               <a:pPr/>
-              <a:t>8/8/2017</a:t>
+              <a:t>8/9/2017</a:t>
             </a:fld>
             <a:endParaRPr lang="en-US"/>
           </a:p>
@@ -1394,7 +1396,7 @@
           <a:p>
             <a:fld id="{3EC5AA90-EC6E-47E8-A49F-95780859B7FE}" type="datetimeFigureOut">
               <a:rPr lang="en-US" smtClean="0"/>
-              <a:t>8/8/2017</a:t>
+              <a:t>8/9/2017</a:t>
             </a:fld>
             <a:endParaRPr lang="en-US"/>
           </a:p>
@@ -1761,7 +1763,7 @@
           <a:p>
             <a:fld id="{3EC5AA90-EC6E-47E8-A49F-95780859B7FE}" type="datetimeFigureOut">
               <a:rPr lang="en-US" smtClean="0"/>
-              <a:t>8/8/2017</a:t>
+              <a:t>8/9/2017</a:t>
             </a:fld>
             <a:endParaRPr lang="en-US"/>
           </a:p>
@@ -1879,7 +1881,7 @@
           <a:p>
             <a:fld id="{3EC5AA90-EC6E-47E8-A49F-95780859B7FE}" type="datetimeFigureOut">
               <a:rPr lang="en-US" smtClean="0"/>
-              <a:t>8/8/2017</a:t>
+              <a:t>8/9/2017</a:t>
             </a:fld>
             <a:endParaRPr lang="en-US"/>
           </a:p>
@@ -2004,7 +2006,7 @@
           <a:p>
             <a:fld id="{3EC5AA90-EC6E-47E8-A49F-95780859B7FE}" type="datetimeFigureOut">
               <a:rPr lang="en-US" smtClean="0"/>
-              <a:t>8/8/2017</a:t>
+              <a:t>8/9/2017</a:t>
             </a:fld>
             <a:endParaRPr lang="en-US"/>
           </a:p>
@@ -2281,7 +2283,7 @@
           <a:p>
             <a:fld id="{3EC5AA90-EC6E-47E8-A49F-95780859B7FE}" type="datetimeFigureOut">
               <a:rPr lang="en-US" smtClean="0"/>
-              <a:t>8/8/2017</a:t>
+              <a:t>8/9/2017</a:t>
             </a:fld>
             <a:endParaRPr lang="en-US"/>
           </a:p>
@@ -2538,7 +2540,7 @@
           <a:p>
             <a:fld id="{3EC5AA90-EC6E-47E8-A49F-95780859B7FE}" type="datetimeFigureOut">
               <a:rPr lang="en-US" smtClean="0"/>
-              <a:t>8/8/2017</a:t>
+              <a:t>8/9/2017</a:t>
             </a:fld>
             <a:endParaRPr lang="en-US"/>
           </a:p>
@@ -2783,7 +2785,7 @@
             <a:fld id="{3EC5AA90-EC6E-47E8-A49F-95780859B7FE}" type="datetimeFigureOut">
               <a:rPr lang="en-US" smtClean="0"/>
               <a:pPr/>
-              <a:t>8/8/2017</a:t>
+              <a:t>8/9/2017</a:t>
             </a:fld>
             <a:endParaRPr lang="en-US"/>
           </a:p>
@@ -3701,16 +3703,102 @@
           <a:chExt cx="0" cy="0"/>
         </a:xfrm>
       </p:grpSpPr>
+      <p:sp>
+        <p:nvSpPr>
+          <p:cNvPr id="2" name="Title 1"/>
+          <p:cNvSpPr>
+            <a:spLocks noGrp="1"/>
+          </p:cNvSpPr>
+          <p:nvPr>
+            <p:ph type="title"/>
+          </p:nvPr>
+        </p:nvSpPr>
+        <p:spPr/>
+        <p:txBody>
+          <a:bodyPr/>
+          <a:lstStyle/>
+          <a:p>
+            <a:r>
+              <a:rPr lang="en-US" dirty="0" smtClean="0"/>
+              <a:t>Key Concepts:</a:t>
+            </a:r>
+            <a:endParaRPr lang="en-US" dirty="0"/>
+          </a:p>
+        </p:txBody>
+      </p:sp>
+      <p:sp>
+        <p:nvSpPr>
+          <p:cNvPr id="3" name="Content Placeholder 2"/>
+          <p:cNvSpPr>
+            <a:spLocks noGrp="1"/>
+          </p:cNvSpPr>
+          <p:nvPr>
+            <p:ph idx="1"/>
+          </p:nvPr>
+        </p:nvSpPr>
+        <p:spPr/>
+        <p:txBody>
+          <a:bodyPr/>
+          <a:lstStyle/>
+          <a:p>
+            <a:pPr marL="0" indent="0">
+              <a:buNone/>
+            </a:pPr>
+            <a:r>
+              <a:rPr lang="en-US" dirty="0" smtClean="0"/>
+              <a:t>Use simple shapes</a:t>
+            </a:r>
+          </a:p>
+          <a:p>
+            <a:pPr marL="0" indent="0">
+              <a:buNone/>
+            </a:pPr>
+            <a:endParaRPr lang="en-US" dirty="0"/>
+          </a:p>
+          <a:p>
+            <a:pPr marL="0" indent="0">
+              <a:buNone/>
+            </a:pPr>
+            <a:r>
+              <a:rPr lang="en-US" dirty="0" smtClean="0"/>
+              <a:t>Layer shapes to create complex items</a:t>
+            </a:r>
+          </a:p>
+          <a:p>
+            <a:pPr marL="0" indent="0">
+              <a:buNone/>
+            </a:pPr>
+            <a:endParaRPr lang="en-US" dirty="0"/>
+          </a:p>
+          <a:p>
+            <a:pPr marL="0" indent="0">
+              <a:buNone/>
+            </a:pPr>
+            <a:r>
+              <a:rPr lang="en-US" dirty="0" smtClean="0"/>
+              <a:t>Skip details = simple is better</a:t>
+            </a:r>
+            <a:endParaRPr lang="en-US" dirty="0"/>
+          </a:p>
+        </p:txBody>
+      </p:sp>
     </p:spTree>
     <p:extLst>
       <p:ext uri="{BB962C8B-B14F-4D97-AF65-F5344CB8AC3E}">
-        <p14:creationId xmlns:p14="http://schemas.microsoft.com/office/powerpoint/2010/main" val="644965068"/>
+        <p14:creationId xmlns:p14="http://schemas.microsoft.com/office/powerpoint/2010/main" val="1123504959"/>
       </p:ext>
     </p:extLst>
   </p:cSld>
   <p:clrMapOvr>
     <a:masterClrMapping/>
   </p:clrMapOvr>
+  <p:timing>
+    <p:tnLst>
+      <p:par>
+        <p:cTn id="1" dur="indefinite" restart="never" nodeType="tmRoot"/>
+      </p:par>
+    </p:tnLst>
+  </p:timing>
 </p:sld>
 </file>
 
@@ -3733,7 +3821,7 @@
       </p:grpSpPr>
       <p:sp>
         <p:nvSpPr>
-          <p:cNvPr id="2" name="Title 1"/>
+          <p:cNvPr id="4" name="Title 3"/>
           <p:cNvSpPr>
             <a:spLocks noGrp="1"/>
           </p:cNvSpPr>
@@ -3748,7 +3836,7 @@
           <a:p>
             <a:r>
               <a:rPr lang="en-US" dirty="0" smtClean="0"/>
-              <a:t>Key Concepts:</a:t>
+              <a:t>Let’s do a few more!</a:t>
             </a:r>
             <a:endParaRPr lang="en-US" dirty="0"/>
           </a:p>
@@ -3756,12 +3844,12 @@
       </p:sp>
       <p:sp>
         <p:nvSpPr>
-          <p:cNvPr id="3" name="Content Placeholder 2"/>
-          <p:cNvSpPr>
-            <a:spLocks noGrp="1"/>
-          </p:cNvSpPr>
-          <p:nvPr>
-            <p:ph idx="1"/>
+          <p:cNvPr id="5" name="Text Placeholder 4"/>
+          <p:cNvSpPr>
+            <a:spLocks noGrp="1"/>
+          </p:cNvSpPr>
+          <p:nvPr>
+            <p:ph type="body" idx="1"/>
           </p:nvPr>
         </p:nvSpPr>
         <p:spPr/>
@@ -3769,51 +3857,14 @@
           <a:bodyPr/>
           <a:lstStyle/>
           <a:p>
-            <a:pPr marL="0" indent="0">
-              <a:buNone/>
-            </a:pPr>
-            <a:r>
-              <a:rPr lang="en-US" dirty="0" smtClean="0"/>
-              <a:t>Use simple shapes</a:t>
-            </a:r>
-          </a:p>
-          <a:p>
-            <a:pPr marL="0" indent="0">
-              <a:buNone/>
-            </a:pPr>
-            <a:endParaRPr lang="en-US" dirty="0"/>
-          </a:p>
-          <a:p>
-            <a:pPr marL="0" indent="0">
-              <a:buNone/>
-            </a:pPr>
-            <a:r>
-              <a:rPr lang="en-US" dirty="0" smtClean="0"/>
-              <a:t>Layer shapes to create complex items</a:t>
-            </a:r>
-          </a:p>
-          <a:p>
-            <a:pPr marL="0" indent="0">
-              <a:buNone/>
-            </a:pPr>
-            <a:endParaRPr lang="en-US" dirty="0"/>
-          </a:p>
-          <a:p>
-            <a:pPr marL="0" indent="0">
-              <a:buNone/>
-            </a:pPr>
-            <a:r>
-              <a:rPr lang="en-US" dirty="0" smtClean="0"/>
-              <a:t>Skip details = simple is better</a:t>
-            </a:r>
-            <a:endParaRPr lang="en-US" dirty="0"/>
+            <a:endParaRPr lang="en-US"/>
           </a:p>
         </p:txBody>
       </p:sp>
     </p:spTree>
     <p:extLst>
       <p:ext uri="{BB962C8B-B14F-4D97-AF65-F5344CB8AC3E}">
-        <p14:creationId xmlns:p14="http://schemas.microsoft.com/office/powerpoint/2010/main" val="1123504959"/>
+        <p14:creationId xmlns:p14="http://schemas.microsoft.com/office/powerpoint/2010/main" val="4103525120"/>
       </p:ext>
     </p:extLst>
   </p:cSld>
@@ -3847,52 +3898,40 @@
           <a:chExt cx="0" cy="0"/>
         </a:xfrm>
       </p:grpSpPr>
-      <p:sp>
-        <p:nvSpPr>
-          <p:cNvPr id="4" name="Title 3"/>
-          <p:cNvSpPr>
-            <a:spLocks noGrp="1"/>
-          </p:cNvSpPr>
-          <p:nvPr>
-            <p:ph type="title"/>
-          </p:nvPr>
-        </p:nvSpPr>
-        <p:spPr/>
-        <p:txBody>
-          <a:bodyPr/>
-          <a:lstStyle/>
-          <a:p>
-            <a:r>
-              <a:rPr lang="en-US" dirty="0" smtClean="0"/>
-              <a:t>Let’s do a few more!</a:t>
-            </a:r>
-            <a:endParaRPr lang="en-US" dirty="0"/>
-          </a:p>
-        </p:txBody>
-      </p:sp>
-      <p:sp>
-        <p:nvSpPr>
-          <p:cNvPr id="5" name="Text Placeholder 4"/>
-          <p:cNvSpPr>
-            <a:spLocks noGrp="1"/>
-          </p:cNvSpPr>
-          <p:nvPr>
-            <p:ph type="body" idx="1"/>
-          </p:nvPr>
-        </p:nvSpPr>
-        <p:spPr/>
-        <p:txBody>
-          <a:bodyPr/>
-          <a:lstStyle/>
-          <a:p>
-            <a:endParaRPr lang="en-US"/>
-          </a:p>
-        </p:txBody>
-      </p:sp>
+      <p:pic>
+        <p:nvPicPr>
+          <p:cNvPr id="5" name="Picture 4"/>
+          <p:cNvPicPr>
+            <a:picLocks noChangeAspect="1"/>
+          </p:cNvPicPr>
+          <p:nvPr/>
+        </p:nvPicPr>
+        <p:blipFill>
+          <a:blip r:embed="rId2">
+            <a:extLst>
+              <a:ext uri="{28A0092B-C50C-407E-A947-70E740481C1C}">
+                <a14:useLocalDpi xmlns:a14="http://schemas.microsoft.com/office/drawing/2010/main" val="0"/>
+              </a:ext>
+            </a:extLst>
+          </a:blip>
+          <a:stretch>
+            <a:fillRect/>
+          </a:stretch>
+        </p:blipFill>
+        <p:spPr>
+          <a:xfrm>
+            <a:off x="0" y="0"/>
+            <a:ext cx="9144000" cy="6858000"/>
+          </a:xfrm>
+          <a:prstGeom prst="rect">
+            <a:avLst/>
+          </a:prstGeom>
+        </p:spPr>
+      </p:pic>
     </p:spTree>
     <p:extLst>
       <p:ext uri="{BB962C8B-B14F-4D97-AF65-F5344CB8AC3E}">
-        <p14:creationId xmlns:p14="http://schemas.microsoft.com/office/powerpoint/2010/main" val="4103525120"/>
+        <p14:creationId xmlns:p14="http://schemas.microsoft.com/office/powerpoint/2010/main" val="2926642203"/>
       </p:ext>
     </p:extLst>
   </p:cSld>
@@ -3926,33 +3965,40 @@
           <a:chExt cx="0" cy="0"/>
         </a:xfrm>
       </p:grpSpPr>
-      <p:sp>
-        <p:nvSpPr>
-          <p:cNvPr id="2" name="Title 1"/>
-          <p:cNvSpPr>
-            <a:spLocks noGrp="1"/>
-          </p:cNvSpPr>
-          <p:nvPr>
-            <p:ph type="title"/>
-          </p:nvPr>
-        </p:nvSpPr>
-        <p:spPr/>
-        <p:txBody>
-          <a:bodyPr/>
-          <a:lstStyle/>
-          <a:p>
-            <a:r>
-              <a:rPr lang="en-US" dirty="0" smtClean="0"/>
-              <a:t>Trace Bitmap</a:t>
-            </a:r>
-            <a:endParaRPr lang="en-US" dirty="0"/>
-          </a:p>
-        </p:txBody>
-      </p:sp>
+      <p:pic>
+        <p:nvPicPr>
+          <p:cNvPr id="3" name="Picture 2"/>
+          <p:cNvPicPr>
+            <a:picLocks noChangeAspect="1"/>
+          </p:cNvPicPr>
+          <p:nvPr/>
+        </p:nvPicPr>
+        <p:blipFill>
+          <a:blip r:embed="rId2">
+            <a:extLst>
+              <a:ext uri="{28A0092B-C50C-407E-A947-70E740481C1C}">
+                <a14:useLocalDpi xmlns:a14="http://schemas.microsoft.com/office/drawing/2010/main" val="0"/>
+              </a:ext>
+            </a:extLst>
+          </a:blip>
+          <a:stretch>
+            <a:fillRect/>
+          </a:stretch>
+        </p:blipFill>
+        <p:spPr>
+          <a:xfrm>
+            <a:off x="0" y="0"/>
+            <a:ext cx="9144000" cy="6858000"/>
+          </a:xfrm>
+          <a:prstGeom prst="rect">
+            <a:avLst/>
+          </a:prstGeom>
+        </p:spPr>
+      </p:pic>
     </p:spTree>
     <p:extLst>
       <p:ext uri="{BB962C8B-B14F-4D97-AF65-F5344CB8AC3E}">
-        <p14:creationId xmlns:p14="http://schemas.microsoft.com/office/powerpoint/2010/main" val="2504863132"/>
+        <p14:creationId xmlns:p14="http://schemas.microsoft.com/office/powerpoint/2010/main" val="129616393"/>
       </p:ext>
     </p:extLst>
   </p:cSld>
@@ -4070,7 +4116,7 @@
           <a:p>
             <a:r>
               <a:rPr lang="en-US" dirty="0" smtClean="0"/>
-              <a:t>Use them in a map</a:t>
+              <a:t>Trace Bitmap</a:t>
             </a:r>
             <a:endParaRPr lang="en-US" dirty="0"/>
           </a:p>
@@ -4079,7 +4125,7 @@
     </p:spTree>
     <p:extLst>
       <p:ext uri="{BB962C8B-B14F-4D97-AF65-F5344CB8AC3E}">
-        <p14:creationId xmlns:p14="http://schemas.microsoft.com/office/powerpoint/2010/main" val="1953598466"/>
+        <p14:creationId xmlns:p14="http://schemas.microsoft.com/office/powerpoint/2010/main" val="2504863132"/>
       </p:ext>
     </p:extLst>
   </p:cSld>
@@ -4115,6 +4161,179 @@
       </p:grpSpPr>
       <p:sp>
         <p:nvSpPr>
+          <p:cNvPr id="2" name="Title 1"/>
+          <p:cNvSpPr>
+            <a:spLocks noGrp="1"/>
+          </p:cNvSpPr>
+          <p:nvPr>
+            <p:ph type="title"/>
+          </p:nvPr>
+        </p:nvSpPr>
+        <p:spPr>
+          <a:xfrm>
+            <a:off x="628650" y="-117006"/>
+            <a:ext cx="7886700" cy="1325563"/>
+          </a:xfrm>
+        </p:spPr>
+        <p:txBody>
+          <a:bodyPr/>
+          <a:lstStyle/>
+          <a:p>
+            <a:r>
+              <a:rPr lang="en-US" dirty="0" smtClean="0"/>
+              <a:t>Use them in a map</a:t>
+            </a:r>
+            <a:endParaRPr lang="en-US" dirty="0"/>
+          </a:p>
+        </p:txBody>
+      </p:sp>
+      <p:pic>
+        <p:nvPicPr>
+          <p:cNvPr id="3" name="Picture 2"/>
+          <p:cNvPicPr>
+            <a:picLocks noChangeAspect="1"/>
+          </p:cNvPicPr>
+          <p:nvPr/>
+        </p:nvPicPr>
+        <p:blipFill>
+          <a:blip r:embed="rId2"/>
+          <a:stretch>
+            <a:fillRect/>
+          </a:stretch>
+        </p:blipFill>
+        <p:spPr>
+          <a:xfrm>
+            <a:off x="24760" y="914400"/>
+            <a:ext cx="4541871" cy="5146446"/>
+          </a:xfrm>
+          <a:prstGeom prst="rect">
+            <a:avLst/>
+          </a:prstGeom>
+        </p:spPr>
+      </p:pic>
+      <p:pic>
+        <p:nvPicPr>
+          <p:cNvPr id="4" name="Picture 3"/>
+          <p:cNvPicPr>
+            <a:picLocks noChangeAspect="1"/>
+          </p:cNvPicPr>
+          <p:nvPr/>
+        </p:nvPicPr>
+        <p:blipFill>
+          <a:blip r:embed="rId3"/>
+          <a:stretch>
+            <a:fillRect/>
+          </a:stretch>
+        </p:blipFill>
+        <p:spPr>
+          <a:xfrm>
+            <a:off x="4568881" y="914399"/>
+            <a:ext cx="4541871" cy="5146446"/>
+          </a:xfrm>
+          <a:prstGeom prst="rect">
+            <a:avLst/>
+          </a:prstGeom>
+        </p:spPr>
+      </p:pic>
+    </p:spTree>
+    <p:extLst>
+      <p:ext uri="{BB962C8B-B14F-4D97-AF65-F5344CB8AC3E}">
+        <p14:creationId xmlns:p14="http://schemas.microsoft.com/office/powerpoint/2010/main" val="1953598466"/>
+      </p:ext>
+    </p:extLst>
+  </p:cSld>
+  <p:clrMapOvr>
+    <a:masterClrMapping/>
+  </p:clrMapOvr>
+  <p:timing>
+    <p:tnLst>
+      <p:par>
+        <p:cTn id="1" dur="indefinite" restart="never" nodeType="tmRoot"/>
+      </p:par>
+    </p:tnLst>
+  </p:timing>
+</p:sld>
+</file>
+
+<file path=ppt/slides/slide22.xml><?xml version="1.0" encoding="utf-8"?>
+<p:sld xmlns:a="http://schemas.openxmlformats.org/drawingml/2006/main" xmlns:r="http://schemas.openxmlformats.org/officeDocument/2006/relationships" xmlns:p="http://schemas.openxmlformats.org/presentationml/2006/main">
+  <p:cSld>
+    <p:spTree>
+      <p:nvGrpSpPr>
+        <p:cNvPr id="1" name=""/>
+        <p:cNvGrpSpPr/>
+        <p:nvPr/>
+      </p:nvGrpSpPr>
+      <p:grpSpPr>
+        <a:xfrm>
+          <a:off x="0" y="0"/>
+          <a:ext cx="0" cy="0"/>
+          <a:chOff x="0" y="0"/>
+          <a:chExt cx="0" cy="0"/>
+        </a:xfrm>
+      </p:grpSpPr>
+      <p:sp>
+        <p:nvSpPr>
+          <p:cNvPr id="2" name="Title 1"/>
+          <p:cNvSpPr>
+            <a:spLocks noGrp="1"/>
+          </p:cNvSpPr>
+          <p:nvPr>
+            <p:ph type="title"/>
+          </p:nvPr>
+        </p:nvSpPr>
+        <p:spPr/>
+        <p:txBody>
+          <a:bodyPr/>
+          <a:lstStyle/>
+          <a:p>
+            <a:r>
+              <a:rPr lang="en-US" dirty="0" smtClean="0"/>
+              <a:t>***Insert Map Here***</a:t>
+            </a:r>
+            <a:endParaRPr lang="en-US" dirty="0"/>
+          </a:p>
+        </p:txBody>
+      </p:sp>
+    </p:spTree>
+    <p:extLst>
+      <p:ext uri="{BB962C8B-B14F-4D97-AF65-F5344CB8AC3E}">
+        <p14:creationId xmlns:p14="http://schemas.microsoft.com/office/powerpoint/2010/main" val="2897376494"/>
+      </p:ext>
+    </p:extLst>
+  </p:cSld>
+  <p:clrMapOvr>
+    <a:masterClrMapping/>
+  </p:clrMapOvr>
+  <p:timing>
+    <p:tnLst>
+      <p:par>
+        <p:cTn id="1" dur="indefinite" restart="never" nodeType="tmRoot"/>
+      </p:par>
+    </p:tnLst>
+  </p:timing>
+</p:sld>
+</file>
+
+<file path=ppt/slides/slide23.xml><?xml version="1.0" encoding="utf-8"?>
+<p:sld xmlns:a="http://schemas.openxmlformats.org/drawingml/2006/main" xmlns:r="http://schemas.openxmlformats.org/officeDocument/2006/relationships" xmlns:p="http://schemas.openxmlformats.org/presentationml/2006/main">
+  <p:cSld>
+    <p:spTree>
+      <p:nvGrpSpPr>
+        <p:cNvPr id="1" name=""/>
+        <p:cNvGrpSpPr/>
+        <p:nvPr/>
+      </p:nvGrpSpPr>
+      <p:grpSpPr>
+        <a:xfrm>
+          <a:off x="0" y="0"/>
+          <a:ext cx="0" cy="0"/>
+          <a:chOff x="0" y="0"/>
+          <a:chExt cx="0" cy="0"/>
+        </a:xfrm>
+      </p:grpSpPr>
+      <p:sp>
+        <p:nvSpPr>
           <p:cNvPr id="3" name="Title 2"/>
           <p:cNvSpPr>
             <a:spLocks noGrp="1"/>
@@ -4224,6 +4443,13 @@
   <p:clrMapOvr>
     <a:masterClrMapping/>
   </p:clrMapOvr>
+  <p:timing>
+    <p:tnLst>
+      <p:par>
+        <p:cTn id="1" dur="indefinite" restart="never" nodeType="tmRoot"/>
+      </p:par>
+    </p:tnLst>
+  </p:timing>
 </p:sld>
 </file>
 

--- a/Talk/Slides/Custom QGIS Symbols with Inkscape.pptx
+++ b/Talk/Slides/Custom QGIS Symbols with Inkscape.pptx
@@ -3398,6 +3398,25 @@
           </a:p>
         </p:txBody>
       </p:sp>
+      <p:sp>
+        <p:nvSpPr>
+          <p:cNvPr id="3" name="Text Placeholder 2"/>
+          <p:cNvSpPr>
+            <a:spLocks noGrp="1"/>
+          </p:cNvSpPr>
+          <p:nvPr>
+            <p:ph type="body" idx="1"/>
+          </p:nvPr>
+        </p:nvSpPr>
+        <p:spPr/>
+        <p:txBody>
+          <a:bodyPr/>
+          <a:lstStyle/>
+          <a:p>
+            <a:endParaRPr lang="en-US"/>
+          </a:p>
+        </p:txBody>
+      </p:sp>
     </p:spTree>
     <p:extLst>
       <p:ext uri="{BB962C8B-B14F-4D97-AF65-F5344CB8AC3E}">
@@ -4109,7 +4128,12 @@
             <p:ph type="title"/>
           </p:nvPr>
         </p:nvSpPr>
-        <p:spPr/>
+        <p:spPr>
+          <a:xfrm>
+            <a:off x="628650" y="-125525"/>
+            <a:ext cx="7886700" cy="1325563"/>
+          </a:xfrm>
+        </p:spPr>
         <p:txBody>
           <a:bodyPr/>
           <a:lstStyle/>
@@ -4119,6 +4143,71 @@
               <a:t>Trace Bitmap</a:t>
             </a:r>
             <a:endParaRPr lang="en-US" dirty="0"/>
+          </a:p>
+        </p:txBody>
+      </p:sp>
+      <p:pic>
+        <p:nvPicPr>
+          <p:cNvPr id="3" name="Picture 2"/>
+          <p:cNvPicPr>
+            <a:picLocks noChangeAspect="1"/>
+          </p:cNvPicPr>
+          <p:nvPr/>
+        </p:nvPicPr>
+        <p:blipFill>
+          <a:blip r:embed="rId2"/>
+          <a:stretch>
+            <a:fillRect/>
+          </a:stretch>
+        </p:blipFill>
+        <p:spPr>
+          <a:xfrm>
+            <a:off x="200718" y="965045"/>
+            <a:ext cx="8738410" cy="5892955"/>
+          </a:xfrm>
+          <a:prstGeom prst="rect">
+            <a:avLst/>
+          </a:prstGeom>
+        </p:spPr>
+      </p:pic>
+      <p:sp>
+        <p:nvSpPr>
+          <p:cNvPr id="4" name="TextBox 3"/>
+          <p:cNvSpPr txBox="1"/>
+          <p:nvPr/>
+        </p:nvSpPr>
+        <p:spPr>
+          <a:xfrm>
+            <a:off x="5296829" y="100360"/>
+            <a:ext cx="3642299" cy="1323439"/>
+          </a:xfrm>
+          <a:prstGeom prst="rect">
+            <a:avLst/>
+          </a:prstGeom>
+          <a:noFill/>
+        </p:spPr>
+        <p:txBody>
+          <a:bodyPr wrap="square" rtlCol="0">
+            <a:spAutoFit/>
+          </a:bodyPr>
+          <a:lstStyle/>
+          <a:p>
+            <a:r>
+              <a:rPr lang="en-US" sz="4000" dirty="0" smtClean="0">
+                <a:latin typeface="Century Gothic" panose="020B0502020202020204" pitchFamily="34" charset="0"/>
+              </a:rPr>
+              <a:t>Path menu </a:t>
+            </a:r>
+            <a:r>
+              <a:rPr lang="en-US" sz="4000" dirty="0" smtClean="0">
+                <a:latin typeface="Century Gothic" panose="020B0502020202020204" pitchFamily="34" charset="0"/>
+                <a:sym typeface="Wingdings" panose="05000000000000000000" pitchFamily="2" charset="2"/>
+              </a:rPr>
+              <a:t> Trace Bitmap</a:t>
+            </a:r>
+            <a:endParaRPr lang="en-US" sz="4000" dirty="0">
+              <a:latin typeface="Century Gothic" panose="020B0502020202020204" pitchFamily="34" charset="0"/>
+            </a:endParaRPr>
           </a:p>
         </p:txBody>
       </p:sp>

--- a/Talk/Slides/Custom QGIS Symbols with Inkscape.pptx
+++ b/Talk/Slides/Custom QGIS Symbols with Inkscape.pptx
@@ -27,7 +27,8 @@
     <p:sldId id="272" r:id="rId21"/>
     <p:sldId id="271" r:id="rId22"/>
     <p:sldId id="283" r:id="rId23"/>
-    <p:sldId id="279" r:id="rId24"/>
+    <p:sldId id="284" r:id="rId24"/>
+    <p:sldId id="279" r:id="rId25"/>
   </p:sldIdLst>
   <p:sldSz cx="9144000" cy="6858000" type="screen4x3"/>
   <p:notesSz cx="6858000" cy="9144000"/>
@@ -265,7 +266,7 @@
           <a:p>
             <a:fld id="{3EC5AA90-EC6E-47E8-A49F-95780859B7FE}" type="datetimeFigureOut">
               <a:rPr lang="en-US" smtClean="0"/>
-              <a:t>8/9/2017</a:t>
+              <a:t>8/11/2017</a:t>
             </a:fld>
             <a:endParaRPr lang="en-US"/>
           </a:p>
@@ -435,7 +436,7 @@
           <a:p>
             <a:fld id="{3EC5AA90-EC6E-47E8-A49F-95780859B7FE}" type="datetimeFigureOut">
               <a:rPr lang="en-US" smtClean="0"/>
-              <a:t>8/9/2017</a:t>
+              <a:t>8/11/2017</a:t>
             </a:fld>
             <a:endParaRPr lang="en-US"/>
           </a:p>
@@ -615,7 +616,7 @@
           <a:p>
             <a:fld id="{3EC5AA90-EC6E-47E8-A49F-95780859B7FE}" type="datetimeFigureOut">
               <a:rPr lang="en-US" smtClean="0"/>
-              <a:t>8/9/2017</a:t>
+              <a:t>8/11/2017</a:t>
             </a:fld>
             <a:endParaRPr lang="en-US"/>
           </a:p>
@@ -854,7 +855,7 @@
             <a:fld id="{3EC5AA90-EC6E-47E8-A49F-95780859B7FE}" type="datetimeFigureOut">
               <a:rPr lang="en-US" smtClean="0"/>
               <a:pPr/>
-              <a:t>8/9/2017</a:t>
+              <a:t>8/11/2017</a:t>
             </a:fld>
             <a:endParaRPr lang="en-US"/>
           </a:p>
@@ -1151,7 +1152,7 @@
             <a:fld id="{3EC5AA90-EC6E-47E8-A49F-95780859B7FE}" type="datetimeFigureOut">
               <a:rPr lang="en-US" smtClean="0"/>
               <a:pPr/>
-              <a:t>8/9/2017</a:t>
+              <a:t>8/11/2017</a:t>
             </a:fld>
             <a:endParaRPr lang="en-US"/>
           </a:p>
@@ -1396,7 +1397,7 @@
           <a:p>
             <a:fld id="{3EC5AA90-EC6E-47E8-A49F-95780859B7FE}" type="datetimeFigureOut">
               <a:rPr lang="en-US" smtClean="0"/>
-              <a:t>8/9/2017</a:t>
+              <a:t>8/11/2017</a:t>
             </a:fld>
             <a:endParaRPr lang="en-US"/>
           </a:p>
@@ -1763,7 +1764,7 @@
           <a:p>
             <a:fld id="{3EC5AA90-EC6E-47E8-A49F-95780859B7FE}" type="datetimeFigureOut">
               <a:rPr lang="en-US" smtClean="0"/>
-              <a:t>8/9/2017</a:t>
+              <a:t>8/11/2017</a:t>
             </a:fld>
             <a:endParaRPr lang="en-US"/>
           </a:p>
@@ -1881,7 +1882,7 @@
           <a:p>
             <a:fld id="{3EC5AA90-EC6E-47E8-A49F-95780859B7FE}" type="datetimeFigureOut">
               <a:rPr lang="en-US" smtClean="0"/>
-              <a:t>8/9/2017</a:t>
+              <a:t>8/11/2017</a:t>
             </a:fld>
             <a:endParaRPr lang="en-US"/>
           </a:p>
@@ -2006,7 +2007,7 @@
           <a:p>
             <a:fld id="{3EC5AA90-EC6E-47E8-A49F-95780859B7FE}" type="datetimeFigureOut">
               <a:rPr lang="en-US" smtClean="0"/>
-              <a:t>8/9/2017</a:t>
+              <a:t>8/11/2017</a:t>
             </a:fld>
             <a:endParaRPr lang="en-US"/>
           </a:p>
@@ -2283,7 +2284,7 @@
           <a:p>
             <a:fld id="{3EC5AA90-EC6E-47E8-A49F-95780859B7FE}" type="datetimeFigureOut">
               <a:rPr lang="en-US" smtClean="0"/>
-              <a:t>8/9/2017</a:t>
+              <a:t>8/11/2017</a:t>
             </a:fld>
             <a:endParaRPr lang="en-US"/>
           </a:p>
@@ -2540,7 +2541,7 @@
           <a:p>
             <a:fld id="{3EC5AA90-EC6E-47E8-A49F-95780859B7FE}" type="datetimeFigureOut">
               <a:rPr lang="en-US" smtClean="0"/>
-              <a:t>8/9/2017</a:t>
+              <a:t>8/11/2017</a:t>
             </a:fld>
             <a:endParaRPr lang="en-US"/>
           </a:p>
@@ -2785,7 +2786,7 @@
             <a:fld id="{3EC5AA90-EC6E-47E8-A49F-95780859B7FE}" type="datetimeFigureOut">
               <a:rPr lang="en-US" smtClean="0"/>
               <a:pPr/>
-              <a:t>8/9/2017</a:t>
+              <a:t>8/11/2017</a:t>
             </a:fld>
             <a:endParaRPr lang="en-US"/>
           </a:p>
@@ -4361,29 +4362,36 @@
           <a:chExt cx="0" cy="0"/>
         </a:xfrm>
       </p:grpSpPr>
-      <p:sp>
-        <p:nvSpPr>
-          <p:cNvPr id="2" name="Title 1"/>
-          <p:cNvSpPr>
-            <a:spLocks noGrp="1"/>
-          </p:cNvSpPr>
-          <p:nvPr>
-            <p:ph type="title"/>
-          </p:nvPr>
-        </p:nvSpPr>
-        <p:spPr/>
-        <p:txBody>
-          <a:bodyPr/>
-          <a:lstStyle/>
-          <a:p>
-            <a:r>
-              <a:rPr lang="en-US" dirty="0" smtClean="0"/>
-              <a:t>***Insert Map Here***</a:t>
-            </a:r>
-            <a:endParaRPr lang="en-US" dirty="0"/>
-          </a:p>
-        </p:txBody>
-      </p:sp>
+      <p:pic>
+        <p:nvPicPr>
+          <p:cNvPr id="4" name="Picture 3"/>
+          <p:cNvPicPr>
+            <a:picLocks noChangeAspect="1"/>
+          </p:cNvPicPr>
+          <p:nvPr/>
+        </p:nvPicPr>
+        <p:blipFill>
+          <a:blip r:embed="rId2">
+            <a:extLst>
+              <a:ext uri="{28A0092B-C50C-407E-A947-70E740481C1C}">
+                <a14:useLocalDpi xmlns:a14="http://schemas.microsoft.com/office/drawing/2010/main" val="0"/>
+              </a:ext>
+            </a:extLst>
+          </a:blip>
+          <a:stretch>
+            <a:fillRect/>
+          </a:stretch>
+        </p:blipFill>
+        <p:spPr>
+          <a:xfrm>
+            <a:off x="0" y="649324"/>
+            <a:ext cx="9144000" cy="4462077"/>
+          </a:xfrm>
+          <a:prstGeom prst="rect">
+            <a:avLst/>
+          </a:prstGeom>
+        </p:spPr>
+      </p:pic>
     </p:spTree>
     <p:extLst>
       <p:ext uri="{BB962C8B-B14F-4D97-AF65-F5344CB8AC3E}">
@@ -4405,6 +4413,66 @@
 </file>
 
 <file path=ppt/slides/slide23.xml><?xml version="1.0" encoding="utf-8"?>
+<p:sld xmlns:a="http://schemas.openxmlformats.org/drawingml/2006/main" xmlns:r="http://schemas.openxmlformats.org/officeDocument/2006/relationships" xmlns:p="http://schemas.openxmlformats.org/presentationml/2006/main">
+  <p:cSld>
+    <p:spTree>
+      <p:nvGrpSpPr>
+        <p:cNvPr id="1" name=""/>
+        <p:cNvGrpSpPr/>
+        <p:nvPr/>
+      </p:nvGrpSpPr>
+      <p:grpSpPr>
+        <a:xfrm>
+          <a:off x="0" y="0"/>
+          <a:ext cx="0" cy="0"/>
+          <a:chOff x="0" y="0"/>
+          <a:chExt cx="0" cy="0"/>
+        </a:xfrm>
+      </p:grpSpPr>
+      <p:pic>
+        <p:nvPicPr>
+          <p:cNvPr id="2" name="Picture 1"/>
+          <p:cNvPicPr>
+            <a:picLocks noChangeAspect="1"/>
+          </p:cNvPicPr>
+          <p:nvPr/>
+        </p:nvPicPr>
+        <p:blipFill>
+          <a:blip r:embed="rId2">
+            <a:extLst>
+              <a:ext uri="{28A0092B-C50C-407E-A947-70E740481C1C}">
+                <a14:useLocalDpi xmlns:a14="http://schemas.microsoft.com/office/drawing/2010/main" val="0"/>
+              </a:ext>
+            </a:extLst>
+          </a:blip>
+          <a:stretch>
+            <a:fillRect/>
+          </a:stretch>
+        </p:blipFill>
+        <p:spPr>
+          <a:xfrm>
+            <a:off x="-291187" y="434700"/>
+            <a:ext cx="9565816" cy="4517940"/>
+          </a:xfrm>
+          <a:prstGeom prst="rect">
+            <a:avLst/>
+          </a:prstGeom>
+        </p:spPr>
+      </p:pic>
+    </p:spTree>
+    <p:extLst>
+      <p:ext uri="{BB962C8B-B14F-4D97-AF65-F5344CB8AC3E}">
+        <p14:creationId xmlns:p14="http://schemas.microsoft.com/office/powerpoint/2010/main" val="1040589547"/>
+      </p:ext>
+    </p:extLst>
+  </p:cSld>
+  <p:clrMapOvr>
+    <a:masterClrMapping/>
+  </p:clrMapOvr>
+</p:sld>
+</file>
+
+<file path=ppt/slides/slide24.xml><?xml version="1.0" encoding="utf-8"?>
 <p:sld xmlns:a="http://schemas.openxmlformats.org/drawingml/2006/main" xmlns:r="http://schemas.openxmlformats.org/officeDocument/2006/relationships" xmlns:p="http://schemas.openxmlformats.org/presentationml/2006/main">
   <p:cSld>
     <p:spTree>
